--- a/TR_ESCRIT/SUPERANT-L'HUMÀ.pptx
+++ b/TR_ESCRIT/SUPERANT-L'HUMÀ.pptx
@@ -7,6 +7,18 @@
   <p:sldIdLst>
     <p:sldId id="256" r:id="rId2"/>
     <p:sldId id="257" r:id="rId3"/>
+    <p:sldId id="275" r:id="rId4"/>
+    <p:sldId id="261" r:id="rId5"/>
+    <p:sldId id="260" r:id="rId6"/>
+    <p:sldId id="263" r:id="rId7"/>
+    <p:sldId id="264" r:id="rId8"/>
+    <p:sldId id="265" r:id="rId9"/>
+    <p:sldId id="266" r:id="rId10"/>
+    <p:sldId id="267" r:id="rId11"/>
+    <p:sldId id="268" r:id="rId12"/>
+    <p:sldId id="269" r:id="rId13"/>
+    <p:sldId id="270" r:id="rId14"/>
+    <p:sldId id="274" r:id="rId15"/>
   </p:sldIdLst>
   <p:sldSz cx="12192000" cy="6858000"/>
   <p:notesSz cx="6858000" cy="9144000"/>
@@ -105,6 +117,33 @@
       </a:defRPr>
     </a:lvl9pPr>
   </p:defaultTextStyle>
+  <p:extLst>
+    <p:ext uri="{521415D9-36F7-43E2-AB2F-B90AF26B5E84}">
+      <p14:sectionLst xmlns:p14="http://schemas.microsoft.com/office/powerpoint/2010/main">
+        <p14:section name="Sección predeterminada" id="{F0AC9587-29A3-4B0C-88D3-F5E173106E35}">
+          <p14:sldIdLst>
+            <p14:sldId id="256"/>
+            <p14:sldId id="257"/>
+            <p14:sldId id="275"/>
+            <p14:sldId id="261"/>
+            <p14:sldId id="260"/>
+            <p14:sldId id="263"/>
+            <p14:sldId id="264"/>
+            <p14:sldId id="265"/>
+            <p14:sldId id="266"/>
+            <p14:sldId id="267"/>
+            <p14:sldId id="268"/>
+            <p14:sldId id="269"/>
+            <p14:sldId id="270"/>
+            <p14:sldId id="274"/>
+          </p14:sldIdLst>
+        </p14:section>
+      </p14:sectionLst>
+    </p:ext>
+    <p:ext uri="{EFAFB233-063F-42B5-8137-9DF3F51BA10A}">
+      <p15:sldGuideLst xmlns:p15="http://schemas.microsoft.com/office/powerpoint/2012/main"/>
+    </p:ext>
+  </p:extLst>
 </p:presentation>
 </file>
 
@@ -3420,6 +3459,639 @@
 </p:sld>
 </file>
 
+<file path=ppt/slides/slide10.xml><?xml version="1.0" encoding="utf-8"?>
+<p:sld xmlns:a="http://schemas.openxmlformats.org/drawingml/2006/main" xmlns:r="http://schemas.openxmlformats.org/officeDocument/2006/relationships" xmlns:p="http://schemas.openxmlformats.org/presentationml/2006/main">
+  <p:cSld>
+    <p:bg>
+      <p:bgPr>
+        <a:solidFill>
+          <a:schemeClr val="bg1"/>
+        </a:solidFill>
+        <a:effectLst/>
+      </p:bgPr>
+    </p:bg>
+    <p:spTree>
+      <p:nvGrpSpPr>
+        <p:cNvPr id="1" name=""/>
+        <p:cNvGrpSpPr/>
+        <p:nvPr/>
+      </p:nvGrpSpPr>
+      <p:grpSpPr>
+        <a:xfrm>
+          <a:off x="0" y="0"/>
+          <a:ext cx="0" cy="0"/>
+          <a:chOff x="0" y="0"/>
+          <a:chExt cx="0" cy="0"/>
+        </a:xfrm>
+      </p:grpSpPr>
+      <p:sp>
+        <p:nvSpPr>
+          <p:cNvPr id="10" name="Rectangle 9">
+            <a:extLst>
+              <a:ext uri="{FF2B5EF4-FFF2-40B4-BE49-F238E27FC236}">
+                <a16:creationId xmlns:a16="http://schemas.microsoft.com/office/drawing/2014/main" id="{A4AC5506-6312-4701-8D3C-40187889A947}"/>
+              </a:ext>
+              <a:ext uri="{C183D7F6-B498-43B3-948B-1728B52AA6E4}">
+                <adec:decorative xmlns:adec="http://schemas.microsoft.com/office/drawing/2017/decorative" val="1"/>
+              </a:ext>
+            </a:extLst>
+          </p:cNvPr>
+          <p:cNvSpPr>
+            <a:spLocks noGrp="1" noRot="1" noChangeAspect="1" noMove="1" noResize="1" noEditPoints="1" noAdjustHandles="1" noChangeArrowheads="1" noChangeShapeType="1" noTextEdit="1"/>
+          </p:cNvSpPr>
+          <p:nvPr>
+            <p:extLst>
+              <p:ext uri="{386F3935-93C4-4BCD-93E2-E3B085C9AB24}">
+                <p16:designElem xmlns:p16="http://schemas.microsoft.com/office/powerpoint/2015/main" val="1"/>
+              </p:ext>
+            </p:extLst>
+          </p:nvPr>
+        </p:nvSpPr>
+        <p:spPr>
+          <a:xfrm>
+            <a:off x="0" y="651752"/>
+            <a:ext cx="12192000" cy="736551"/>
+          </a:xfrm>
+          <a:prstGeom prst="rect">
+            <a:avLst/>
+          </a:prstGeom>
+          <a:solidFill>
+            <a:schemeClr val="tx1"/>
+          </a:solidFill>
+          <a:ln>
+            <a:noFill/>
+          </a:ln>
+        </p:spPr>
+        <p:style>
+          <a:lnRef idx="2">
+            <a:schemeClr val="accent1">
+              <a:shade val="50000"/>
+            </a:schemeClr>
+          </a:lnRef>
+          <a:fillRef idx="1">
+            <a:schemeClr val="accent1"/>
+          </a:fillRef>
+          <a:effectRef idx="0">
+            <a:schemeClr val="accent1"/>
+          </a:effectRef>
+          <a:fontRef idx="minor">
+            <a:schemeClr val="lt1"/>
+          </a:fontRef>
+        </p:style>
+        <p:txBody>
+          <a:bodyPr rtlCol="0" anchor="ctr"/>
+          <a:lstStyle/>
+          <a:p>
+            <a:pPr algn="ctr"/>
+            <a:endParaRPr lang="en-US"/>
+          </a:p>
+        </p:txBody>
+      </p:sp>
+      <p:sp>
+        <p:nvSpPr>
+          <p:cNvPr id="2" name="Título 1">
+            <a:extLst>
+              <a:ext uri="{FF2B5EF4-FFF2-40B4-BE49-F238E27FC236}">
+                <a16:creationId xmlns:a16="http://schemas.microsoft.com/office/drawing/2014/main" id="{716F2625-2206-86A7-0B48-26B7C65A9335}"/>
+              </a:ext>
+            </a:extLst>
+          </p:cNvPr>
+          <p:cNvSpPr>
+            <a:spLocks noGrp="1"/>
+          </p:cNvSpPr>
+          <p:nvPr>
+            <p:ph type="title"/>
+          </p:nvPr>
+        </p:nvSpPr>
+        <p:spPr>
+          <a:xfrm>
+            <a:off x="556532" y="643467"/>
+            <a:ext cx="11210925" cy="744836"/>
+          </a:xfrm>
+        </p:spPr>
+        <p:txBody>
+          <a:bodyPr vert="horz" lIns="91440" tIns="45720" rIns="91440" bIns="45720" rtlCol="0" anchor="ctr">
+            <a:normAutofit/>
+          </a:bodyPr>
+          <a:lstStyle/>
+          <a:p>
+            <a:pPr algn="ctr"/>
+            <a:r>
+              <a:rPr lang="en-US" sz="3200" kern="1200" dirty="0" err="1">
+                <a:solidFill>
+                  <a:schemeClr val="bg1"/>
+                </a:solidFill>
+                <a:latin typeface="+mj-lt"/>
+                <a:ea typeface="+mj-ea"/>
+                <a:cs typeface="+mj-cs"/>
+              </a:rPr>
+              <a:t>Què</a:t>
+            </a:r>
+            <a:r>
+              <a:rPr lang="en-US" sz="3200" kern="1200" dirty="0">
+                <a:solidFill>
+                  <a:schemeClr val="bg1"/>
+                </a:solidFill>
+                <a:latin typeface="+mj-lt"/>
+                <a:ea typeface="+mj-ea"/>
+                <a:cs typeface="+mj-cs"/>
+              </a:rPr>
+              <a:t> </a:t>
+            </a:r>
+            <a:r>
+              <a:rPr lang="en-US" sz="3200" kern="1200" dirty="0" err="1">
+                <a:solidFill>
+                  <a:schemeClr val="bg1"/>
+                </a:solidFill>
+                <a:latin typeface="+mj-lt"/>
+                <a:ea typeface="+mj-ea"/>
+                <a:cs typeface="+mj-cs"/>
+              </a:rPr>
+              <a:t>analitzem</a:t>
+            </a:r>
+            <a:r>
+              <a:rPr lang="en-US" sz="3200" kern="1200" dirty="0">
+                <a:solidFill>
+                  <a:schemeClr val="bg1"/>
+                </a:solidFill>
+                <a:latin typeface="+mj-lt"/>
+                <a:ea typeface="+mj-ea"/>
+                <a:cs typeface="+mj-cs"/>
+              </a:rPr>
+              <a:t>? </a:t>
+            </a:r>
+            <a:r>
+              <a:rPr lang="en-US" sz="3200" kern="1200" dirty="0" err="1">
+                <a:solidFill>
+                  <a:schemeClr val="bg1"/>
+                </a:solidFill>
+                <a:latin typeface="+mj-lt"/>
+                <a:ea typeface="+mj-ea"/>
+                <a:cs typeface="+mj-cs"/>
+              </a:rPr>
+              <a:t>L’aprenentatge</a:t>
+            </a:r>
+            <a:endParaRPr lang="en-US" sz="3200" kern="1200" dirty="0">
+              <a:solidFill>
+                <a:schemeClr val="bg1"/>
+              </a:solidFill>
+              <a:latin typeface="+mj-lt"/>
+              <a:ea typeface="+mj-ea"/>
+              <a:cs typeface="+mj-cs"/>
+            </a:endParaRPr>
+          </a:p>
+        </p:txBody>
+      </p:sp>
+      <p:pic>
+        <p:nvPicPr>
+          <p:cNvPr id="5" name="Marcador de contenido 4">
+            <a:extLst>
+              <a:ext uri="{FF2B5EF4-FFF2-40B4-BE49-F238E27FC236}">
+                <a16:creationId xmlns:a16="http://schemas.microsoft.com/office/drawing/2014/main" id="{3F7D4390-97D7-2BB4-A11D-7E90A9E7AA57}"/>
+              </a:ext>
+            </a:extLst>
+          </p:cNvPr>
+          <p:cNvPicPr>
+            <a:picLocks noGrp="1" noChangeAspect="1"/>
+          </p:cNvPicPr>
+          <p:nvPr>
+            <p:ph idx="1"/>
+          </p:nvPr>
+        </p:nvPicPr>
+        <p:blipFill>
+          <a:blip r:embed="rId2"/>
+          <a:stretch>
+            <a:fillRect/>
+          </a:stretch>
+        </p:blipFill>
+        <p:spPr>
+          <a:xfrm>
+            <a:off x="643467" y="1841258"/>
+            <a:ext cx="10905066" cy="4062136"/>
+          </a:xfrm>
+          <a:prstGeom prst="rect">
+            <a:avLst/>
+          </a:prstGeom>
+        </p:spPr>
+      </p:pic>
+    </p:spTree>
+    <p:extLst>
+      <p:ext uri="{BB962C8B-B14F-4D97-AF65-F5344CB8AC3E}">
+        <p14:creationId xmlns:p14="http://schemas.microsoft.com/office/powerpoint/2010/main" val="768965728"/>
+      </p:ext>
+    </p:extLst>
+  </p:cSld>
+  <p:clrMapOvr>
+    <a:masterClrMapping/>
+  </p:clrMapOvr>
+</p:sld>
+</file>
+
+<file path=ppt/slides/slide11.xml><?xml version="1.0" encoding="utf-8"?>
+<p:sld xmlns:a="http://schemas.openxmlformats.org/drawingml/2006/main" xmlns:r="http://schemas.openxmlformats.org/officeDocument/2006/relationships" xmlns:p="http://schemas.openxmlformats.org/presentationml/2006/main">
+  <p:cSld>
+    <p:spTree>
+      <p:nvGrpSpPr>
+        <p:cNvPr id="1" name=""/>
+        <p:cNvGrpSpPr/>
+        <p:nvPr/>
+      </p:nvGrpSpPr>
+      <p:grpSpPr>
+        <a:xfrm>
+          <a:off x="0" y="0"/>
+          <a:ext cx="0" cy="0"/>
+          <a:chOff x="0" y="0"/>
+          <a:chExt cx="0" cy="0"/>
+        </a:xfrm>
+      </p:grpSpPr>
+      <p:sp>
+        <p:nvSpPr>
+          <p:cNvPr id="2" name="Título 1">
+            <a:extLst>
+              <a:ext uri="{FF2B5EF4-FFF2-40B4-BE49-F238E27FC236}">
+                <a16:creationId xmlns:a16="http://schemas.microsoft.com/office/drawing/2014/main" id="{66724DC7-3225-0680-9574-256FD5FCE19A}"/>
+              </a:ext>
+            </a:extLst>
+          </p:cNvPr>
+          <p:cNvSpPr>
+            <a:spLocks noGrp="1"/>
+          </p:cNvSpPr>
+          <p:nvPr>
+            <p:ph type="title"/>
+          </p:nvPr>
+        </p:nvSpPr>
+        <p:spPr/>
+        <p:txBody>
+          <a:bodyPr/>
+          <a:lstStyle/>
+          <a:p>
+            <a:r>
+              <a:rPr lang="es-ES" dirty="0" err="1"/>
+              <a:t>Què</a:t>
+            </a:r>
+            <a:r>
+              <a:rPr lang="es-ES" dirty="0"/>
+              <a:t> </a:t>
+            </a:r>
+            <a:r>
+              <a:rPr lang="es-ES" dirty="0" err="1"/>
+              <a:t>busquem</a:t>
+            </a:r>
+            <a:r>
+              <a:rPr lang="es-ES" dirty="0"/>
+              <a:t> </a:t>
+            </a:r>
+            <a:r>
+              <a:rPr lang="es-ES" dirty="0" err="1"/>
+              <a:t>trobar</a:t>
+            </a:r>
+            <a:r>
+              <a:rPr lang="es-ES" dirty="0"/>
+              <a:t> en </a:t>
+            </a:r>
+            <a:r>
+              <a:rPr lang="es-ES" dirty="0" err="1"/>
+              <a:t>l’anàlisis</a:t>
+            </a:r>
+            <a:r>
+              <a:rPr lang="es-ES" dirty="0"/>
+              <a:t> de </a:t>
+            </a:r>
+            <a:r>
+              <a:rPr lang="es-ES" dirty="0" err="1"/>
+              <a:t>l’aprenentatge</a:t>
+            </a:r>
+            <a:r>
+              <a:rPr lang="es-ES" dirty="0"/>
+              <a:t>?</a:t>
+            </a:r>
+            <a:endParaRPr lang="ca-ES" dirty="0"/>
+          </a:p>
+        </p:txBody>
+      </p:sp>
+      <p:sp>
+        <p:nvSpPr>
+          <p:cNvPr id="3" name="Marcador de contenido 2">
+            <a:extLst>
+              <a:ext uri="{FF2B5EF4-FFF2-40B4-BE49-F238E27FC236}">
+                <a16:creationId xmlns:a16="http://schemas.microsoft.com/office/drawing/2014/main" id="{CA9A4CBE-FF57-B509-0A05-5E715F3F1E37}"/>
+              </a:ext>
+            </a:extLst>
+          </p:cNvPr>
+          <p:cNvSpPr>
+            <a:spLocks noGrp="1"/>
+          </p:cNvSpPr>
+          <p:nvPr>
+            <p:ph idx="1"/>
+          </p:nvPr>
+        </p:nvSpPr>
+        <p:spPr/>
+        <p:txBody>
+          <a:bodyPr/>
+          <a:lstStyle/>
+          <a:p>
+            <a:r>
+              <a:rPr lang="ca-ES" dirty="0"/>
+              <a:t>L'anàlisi d'aquesta tendència logarítmica a priori pot semblar poc útil, però té bastants aplicacions. Per exemple, permet predir els ràpids guanys inicials de fitness seguits d'un altiplà, de manera que es pot determinar quin és el millor moment per aturar l’aprenentatge o afegir nous reptes a l’aprenentatge per obtenir uns millors resultats. </a:t>
+            </a:r>
+          </a:p>
+        </p:txBody>
+      </p:sp>
+    </p:spTree>
+    <p:extLst>
+      <p:ext uri="{BB962C8B-B14F-4D97-AF65-F5344CB8AC3E}">
+        <p14:creationId xmlns:p14="http://schemas.microsoft.com/office/powerpoint/2010/main" val="1427420841"/>
+      </p:ext>
+    </p:extLst>
+  </p:cSld>
+  <p:clrMapOvr>
+    <a:masterClrMapping/>
+  </p:clrMapOvr>
+</p:sld>
+</file>
+
+<file path=ppt/slides/slide12.xml><?xml version="1.0" encoding="utf-8"?>
+<p:sld xmlns:a="http://schemas.openxmlformats.org/drawingml/2006/main" xmlns:r="http://schemas.openxmlformats.org/officeDocument/2006/relationships" xmlns:p="http://schemas.openxmlformats.org/presentationml/2006/main">
+  <p:cSld>
+    <p:spTree>
+      <p:nvGrpSpPr>
+        <p:cNvPr id="1" name=""/>
+        <p:cNvGrpSpPr/>
+        <p:nvPr/>
+      </p:nvGrpSpPr>
+      <p:grpSpPr>
+        <a:xfrm>
+          <a:off x="0" y="0"/>
+          <a:ext cx="0" cy="0"/>
+          <a:chOff x="0" y="0"/>
+          <a:chExt cx="0" cy="0"/>
+        </a:xfrm>
+      </p:grpSpPr>
+      <p:sp>
+        <p:nvSpPr>
+          <p:cNvPr id="2" name="Título 1">
+            <a:extLst>
+              <a:ext uri="{FF2B5EF4-FFF2-40B4-BE49-F238E27FC236}">
+                <a16:creationId xmlns:a16="http://schemas.microsoft.com/office/drawing/2014/main" id="{EDE5FA47-F1F3-7142-07B0-ECC3ED577FF3}"/>
+              </a:ext>
+            </a:extLst>
+          </p:cNvPr>
+          <p:cNvSpPr>
+            <a:spLocks noGrp="1"/>
+          </p:cNvSpPr>
+          <p:nvPr>
+            <p:ph type="title"/>
+          </p:nvPr>
+        </p:nvSpPr>
+        <p:spPr/>
+        <p:txBody>
+          <a:bodyPr/>
+          <a:lstStyle/>
+          <a:p>
+            <a:r>
+              <a:rPr lang="es-ES" dirty="0" err="1"/>
+              <a:t>Resultats</a:t>
+            </a:r>
+            <a:r>
+              <a:rPr lang="es-ES" dirty="0"/>
+              <a:t> de les </a:t>
+            </a:r>
+            <a:r>
+              <a:rPr lang="es-ES" dirty="0" err="1"/>
+              <a:t>anàlisis</a:t>
+            </a:r>
+            <a:endParaRPr lang="ca-ES" dirty="0"/>
+          </a:p>
+        </p:txBody>
+      </p:sp>
+      <p:sp>
+        <p:nvSpPr>
+          <p:cNvPr id="3" name="Marcador de contenido 2">
+            <a:extLst>
+              <a:ext uri="{FF2B5EF4-FFF2-40B4-BE49-F238E27FC236}">
+                <a16:creationId xmlns:a16="http://schemas.microsoft.com/office/drawing/2014/main" id="{5F9B5958-C668-8534-C9A0-84FCB16C2C54}"/>
+              </a:ext>
+            </a:extLst>
+          </p:cNvPr>
+          <p:cNvSpPr>
+            <a:spLocks noGrp="1"/>
+          </p:cNvSpPr>
+          <p:nvPr>
+            <p:ph idx="1"/>
+          </p:nvPr>
+        </p:nvSpPr>
+        <p:spPr/>
+        <p:txBody>
+          <a:bodyPr/>
+          <a:lstStyle/>
+          <a:p>
+            <a:endParaRPr lang="ca-ES" dirty="0"/>
+          </a:p>
+        </p:txBody>
+      </p:sp>
+    </p:spTree>
+    <p:extLst>
+      <p:ext uri="{BB962C8B-B14F-4D97-AF65-F5344CB8AC3E}">
+        <p14:creationId xmlns:p14="http://schemas.microsoft.com/office/powerpoint/2010/main" val="3027515548"/>
+      </p:ext>
+    </p:extLst>
+  </p:cSld>
+  <p:clrMapOvr>
+    <a:masterClrMapping/>
+  </p:clrMapOvr>
+</p:sld>
+</file>
+
+<file path=ppt/slides/slide13.xml><?xml version="1.0" encoding="utf-8"?>
+<p:sld xmlns:a="http://schemas.openxmlformats.org/drawingml/2006/main" xmlns:r="http://schemas.openxmlformats.org/officeDocument/2006/relationships" xmlns:p="http://schemas.openxmlformats.org/presentationml/2006/main">
+  <p:cSld>
+    <p:spTree>
+      <p:nvGrpSpPr>
+        <p:cNvPr id="1" name=""/>
+        <p:cNvGrpSpPr/>
+        <p:nvPr/>
+      </p:nvGrpSpPr>
+      <p:grpSpPr>
+        <a:xfrm>
+          <a:off x="0" y="0"/>
+          <a:ext cx="0" cy="0"/>
+          <a:chOff x="0" y="0"/>
+          <a:chExt cx="0" cy="0"/>
+        </a:xfrm>
+      </p:grpSpPr>
+      <p:sp>
+        <p:nvSpPr>
+          <p:cNvPr id="2" name="Título 1">
+            <a:extLst>
+              <a:ext uri="{FF2B5EF4-FFF2-40B4-BE49-F238E27FC236}">
+                <a16:creationId xmlns:a16="http://schemas.microsoft.com/office/drawing/2014/main" id="{AB2424D1-90C5-41F5-3FB6-C8C3BB00D2DD}"/>
+              </a:ext>
+            </a:extLst>
+          </p:cNvPr>
+          <p:cNvSpPr>
+            <a:spLocks noGrp="1"/>
+          </p:cNvSpPr>
+          <p:nvPr>
+            <p:ph type="title"/>
+          </p:nvPr>
+        </p:nvSpPr>
+        <p:spPr/>
+        <p:txBody>
+          <a:bodyPr/>
+          <a:lstStyle/>
+          <a:p>
+            <a:r>
+              <a:rPr lang="es-ES" dirty="0"/>
+              <a:t>COM AFECTEN LES VARIABLES A L’APENENTATGE </a:t>
+            </a:r>
+            <a:endParaRPr lang="ca-ES" dirty="0"/>
+          </a:p>
+        </p:txBody>
+      </p:sp>
+      <p:sp>
+        <p:nvSpPr>
+          <p:cNvPr id="3" name="Marcador de contenido 2">
+            <a:extLst>
+              <a:ext uri="{FF2B5EF4-FFF2-40B4-BE49-F238E27FC236}">
+                <a16:creationId xmlns:a16="http://schemas.microsoft.com/office/drawing/2014/main" id="{B6E36AD0-24F0-3CCC-FB51-5D8C68A7F47D}"/>
+              </a:ext>
+            </a:extLst>
+          </p:cNvPr>
+          <p:cNvSpPr>
+            <a:spLocks noGrp="1"/>
+          </p:cNvSpPr>
+          <p:nvPr>
+            <p:ph idx="1"/>
+          </p:nvPr>
+        </p:nvSpPr>
+        <p:spPr/>
+        <p:txBody>
+          <a:bodyPr/>
+          <a:lstStyle/>
+          <a:p>
+            <a:r>
+              <a:rPr lang="ca-ES" dirty="0"/>
+              <a:t>com les diferents variables d'entrada (inputs) i les seves combinacions influeixen en l'aprenentatge i el rendiment de la xarxa neuronal en el joc </a:t>
+            </a:r>
+            <a:r>
+              <a:rPr lang="ca-ES" dirty="0" err="1"/>
+              <a:t>Flappy</a:t>
+            </a:r>
+            <a:r>
+              <a:rPr lang="ca-ES" dirty="0"/>
+              <a:t> Bird. A través d'aquest anàlisi, compararem escenaris en què la xarxa disposa de diferents tipus d'informació, per tal de determinar quina és més rellevant per a la seva capacitat de prendre decisions efectives. Això ens permetrà entendre millor les necessitats d'informació de l'IA i com aquestes afecten els seus resultats en el joc.</a:t>
+            </a:r>
+          </a:p>
+          <a:p>
+            <a:endParaRPr lang="ca-ES" dirty="0"/>
+          </a:p>
+        </p:txBody>
+      </p:sp>
+    </p:spTree>
+    <p:extLst>
+      <p:ext uri="{BB962C8B-B14F-4D97-AF65-F5344CB8AC3E}">
+        <p14:creationId xmlns:p14="http://schemas.microsoft.com/office/powerpoint/2010/main" val="978914489"/>
+      </p:ext>
+    </p:extLst>
+  </p:cSld>
+  <p:clrMapOvr>
+    <a:masterClrMapping/>
+  </p:clrMapOvr>
+</p:sld>
+</file>
+
+<file path=ppt/slides/slide14.xml><?xml version="1.0" encoding="utf-8"?>
+<p:sld xmlns:a="http://schemas.openxmlformats.org/drawingml/2006/main" xmlns:r="http://schemas.openxmlformats.org/officeDocument/2006/relationships" xmlns:p="http://schemas.openxmlformats.org/presentationml/2006/main">
+  <p:cSld>
+    <p:spTree>
+      <p:nvGrpSpPr>
+        <p:cNvPr id="1" name=""/>
+        <p:cNvGrpSpPr/>
+        <p:nvPr/>
+      </p:nvGrpSpPr>
+      <p:grpSpPr>
+        <a:xfrm>
+          <a:off x="0" y="0"/>
+          <a:ext cx="0" cy="0"/>
+          <a:chOff x="0" y="0"/>
+          <a:chExt cx="0" cy="0"/>
+        </a:xfrm>
+      </p:grpSpPr>
+      <p:sp>
+        <p:nvSpPr>
+          <p:cNvPr id="2" name="Título 1">
+            <a:extLst>
+              <a:ext uri="{FF2B5EF4-FFF2-40B4-BE49-F238E27FC236}">
+                <a16:creationId xmlns:a16="http://schemas.microsoft.com/office/drawing/2014/main" id="{B2123B0B-6A10-FBDA-FC37-60472587EF3F}"/>
+              </a:ext>
+            </a:extLst>
+          </p:cNvPr>
+          <p:cNvSpPr>
+            <a:spLocks noGrp="1"/>
+          </p:cNvSpPr>
+          <p:nvPr>
+            <p:ph type="title"/>
+          </p:nvPr>
+        </p:nvSpPr>
+        <p:spPr/>
+        <p:txBody>
+          <a:bodyPr/>
+          <a:lstStyle/>
+          <a:p>
+            <a:r>
+              <a:rPr lang="es-ES" dirty="0" err="1"/>
+              <a:t>Conclusió</a:t>
+            </a:r>
+            <a:r>
+              <a:rPr lang="es-ES" dirty="0"/>
+              <a:t> de </a:t>
+            </a:r>
+            <a:r>
+              <a:rPr lang="es-ES" dirty="0" err="1"/>
+              <a:t>l’anàlisi</a:t>
+            </a:r>
+            <a:endParaRPr lang="ca-ES" dirty="0"/>
+          </a:p>
+        </p:txBody>
+      </p:sp>
+      <p:sp>
+        <p:nvSpPr>
+          <p:cNvPr id="3" name="Marcador de contenido 2">
+            <a:extLst>
+              <a:ext uri="{FF2B5EF4-FFF2-40B4-BE49-F238E27FC236}">
+                <a16:creationId xmlns:a16="http://schemas.microsoft.com/office/drawing/2014/main" id="{B2F5DFB4-4DA1-F7D9-1E43-6425F13E629D}"/>
+              </a:ext>
+            </a:extLst>
+          </p:cNvPr>
+          <p:cNvSpPr>
+            <a:spLocks noGrp="1"/>
+          </p:cNvSpPr>
+          <p:nvPr>
+            <p:ph idx="1"/>
+          </p:nvPr>
+        </p:nvSpPr>
+        <p:spPr/>
+        <p:txBody>
+          <a:bodyPr/>
+          <a:lstStyle/>
+          <a:p>
+            <a:endParaRPr lang="ca-ES"/>
+          </a:p>
+        </p:txBody>
+      </p:sp>
+    </p:spTree>
+    <p:extLst>
+      <p:ext uri="{BB962C8B-B14F-4D97-AF65-F5344CB8AC3E}">
+        <p14:creationId xmlns:p14="http://schemas.microsoft.com/office/powerpoint/2010/main" val="3234290156"/>
+      </p:ext>
+    </p:extLst>
+  </p:cSld>
+  <p:clrMapOvr>
+    <a:masterClrMapping/>
+  </p:clrMapOvr>
+</p:sld>
+</file>
+
 <file path=ppt/slides/slide2.xml><?xml version="1.0" encoding="utf-8"?>
 <p:sld xmlns:a="http://schemas.openxmlformats.org/drawingml/2006/main" xmlns:r="http://schemas.openxmlformats.org/officeDocument/2006/relationships" xmlns:p="http://schemas.openxmlformats.org/presentationml/2006/main">
   <p:cSld>
@@ -3466,10 +4138,2047 @@
           </a:p>
         </p:txBody>
       </p:sp>
+      <p:sp>
+        <p:nvSpPr>
+          <p:cNvPr id="4" name="CuadroTexto 3">
+            <a:extLst>
+              <a:ext uri="{FF2B5EF4-FFF2-40B4-BE49-F238E27FC236}">
+                <a16:creationId xmlns:a16="http://schemas.microsoft.com/office/drawing/2014/main" id="{A2254751-2DF2-27F7-BDC1-5BFB985DCFDD}"/>
+              </a:ext>
+            </a:extLst>
+          </p:cNvPr>
+          <p:cNvSpPr txBox="1"/>
+          <p:nvPr/>
+        </p:nvSpPr>
+        <p:spPr>
+          <a:xfrm>
+            <a:off x="3048000" y="1863350"/>
+            <a:ext cx="6096000" cy="3139321"/>
+          </a:xfrm>
+          <a:prstGeom prst="rect">
+            <a:avLst/>
+          </a:prstGeom>
+          <a:noFill/>
+        </p:spPr>
+        <p:txBody>
+          <a:bodyPr wrap="square">
+            <a:spAutoFit/>
+          </a:bodyPr>
+          <a:lstStyle/>
+          <a:p>
+            <a:r>
+              <a:rPr lang="ca-ES" dirty="0"/>
+              <a:t>En aquest treball, explorem les possibilitats de la Intel·ligència Artificial (IA) per a jugar al joc “</a:t>
+            </a:r>
+            <a:r>
+              <a:rPr lang="ca-ES" dirty="0" err="1"/>
+              <a:t>Flappy</a:t>
+            </a:r>
+            <a:r>
+              <a:rPr lang="ca-ES" dirty="0"/>
+              <a:t> Bird” utilitzant algoritmes avançats d'aprenentatge adaptatiu. L'ús combinat de mutacions i altres factors permet l'obtenció d'un model neuronal més eficient i capaç de realitzar càlculs ràpids. El model neuronal desenvolupat en aquest treball és capaç d’aprendre i adaptar-se a les condicions del joc. En aquesta recerca es demostra com la corba de l’aprenentatge és logarítmica i depèn fortament dels diferents comportaments de la IA a partir de les variables de mutacions, inputs i població. </a:t>
+            </a:r>
+          </a:p>
+        </p:txBody>
+      </p:sp>
     </p:spTree>
     <p:extLst>
       <p:ext uri="{BB962C8B-B14F-4D97-AF65-F5344CB8AC3E}">
         <p14:creationId xmlns:p14="http://schemas.microsoft.com/office/powerpoint/2010/main" val="3351122819"/>
+      </p:ext>
+    </p:extLst>
+  </p:cSld>
+  <p:clrMapOvr>
+    <a:masterClrMapping/>
+  </p:clrMapOvr>
+</p:sld>
+</file>
+
+<file path=ppt/slides/slide3.xml><?xml version="1.0" encoding="utf-8"?>
+<p:sld xmlns:a="http://schemas.openxmlformats.org/drawingml/2006/main" xmlns:r="http://schemas.openxmlformats.org/officeDocument/2006/relationships" xmlns:p="http://schemas.openxmlformats.org/presentationml/2006/main">
+  <p:cSld>
+    <p:spTree>
+      <p:nvGrpSpPr>
+        <p:cNvPr id="1" name="">
+          <a:extLst>
+            <a:ext uri="{FF2B5EF4-FFF2-40B4-BE49-F238E27FC236}">
+              <a16:creationId xmlns:a16="http://schemas.microsoft.com/office/drawing/2014/main" id="{CFB94FCF-A989-4069-E961-6485E4DF524A}"/>
+            </a:ext>
+          </a:extLst>
+        </p:cNvPr>
+        <p:cNvGrpSpPr/>
+        <p:nvPr/>
+      </p:nvGrpSpPr>
+      <p:grpSpPr>
+        <a:xfrm>
+          <a:off x="0" y="0"/>
+          <a:ext cx="0" cy="0"/>
+          <a:chOff x="0" y="0"/>
+          <a:chExt cx="0" cy="0"/>
+        </a:xfrm>
+      </p:grpSpPr>
+      <p:sp>
+        <p:nvSpPr>
+          <p:cNvPr id="2" name="Título 1">
+            <a:extLst>
+              <a:ext uri="{FF2B5EF4-FFF2-40B4-BE49-F238E27FC236}">
+                <a16:creationId xmlns:a16="http://schemas.microsoft.com/office/drawing/2014/main" id="{C2337EB8-FB07-8610-E4B5-BA6C0288D7DA}"/>
+              </a:ext>
+            </a:extLst>
+          </p:cNvPr>
+          <p:cNvSpPr>
+            <a:spLocks noGrp="1"/>
+          </p:cNvSpPr>
+          <p:nvPr>
+            <p:ph type="title"/>
+          </p:nvPr>
+        </p:nvSpPr>
+        <p:spPr/>
+        <p:txBody>
+          <a:bodyPr/>
+          <a:lstStyle/>
+          <a:p>
+            <a:r>
+              <a:rPr lang="es-ES" dirty="0"/>
+              <a:t>Que es una </a:t>
+            </a:r>
+            <a:r>
+              <a:rPr lang="es-ES" dirty="0" err="1"/>
+              <a:t>ia</a:t>
+            </a:r>
+            <a:r>
+              <a:rPr lang="es-ES" dirty="0"/>
+              <a:t>(Machine </a:t>
+            </a:r>
+            <a:r>
+              <a:rPr lang="es-ES" dirty="0" err="1"/>
+              <a:t>learning</a:t>
+            </a:r>
+            <a:r>
+              <a:rPr lang="es-ES" dirty="0"/>
+              <a:t> o </a:t>
+            </a:r>
+            <a:r>
+              <a:rPr lang="es-ES" dirty="0" err="1"/>
+              <a:t>aprenentatge</a:t>
+            </a:r>
+            <a:r>
+              <a:rPr lang="es-ES" dirty="0"/>
+              <a:t> </a:t>
+            </a:r>
+            <a:r>
+              <a:rPr lang="es-ES" dirty="0" err="1"/>
+              <a:t>automatic</a:t>
+            </a:r>
+            <a:r>
+              <a:rPr lang="es-ES" dirty="0"/>
+              <a:t>?)</a:t>
+            </a:r>
+            <a:endParaRPr lang="ca-ES" dirty="0"/>
+          </a:p>
+        </p:txBody>
+      </p:sp>
+      <p:sp>
+        <p:nvSpPr>
+          <p:cNvPr id="3" name="Marcador de contenido 2">
+            <a:extLst>
+              <a:ext uri="{FF2B5EF4-FFF2-40B4-BE49-F238E27FC236}">
+                <a16:creationId xmlns:a16="http://schemas.microsoft.com/office/drawing/2014/main" id="{7F342533-D56F-7E91-9415-3D2BB17FC9A4}"/>
+              </a:ext>
+            </a:extLst>
+          </p:cNvPr>
+          <p:cNvSpPr>
+            <a:spLocks noGrp="1"/>
+          </p:cNvSpPr>
+          <p:nvPr>
+            <p:ph idx="1"/>
+          </p:nvPr>
+        </p:nvSpPr>
+        <p:spPr/>
+        <p:txBody>
+          <a:bodyPr/>
+          <a:lstStyle/>
+          <a:p>
+            <a:r>
+              <a:rPr lang="ca-ES" dirty="0"/>
+              <a:t>Les xarxes neuronals són un sistema de ML (Machine </a:t>
+            </a:r>
+            <a:r>
+              <a:rPr lang="ca-ES" dirty="0" err="1"/>
+              <a:t>Learning</a:t>
+            </a:r>
+            <a:r>
+              <a:rPr lang="ca-ES" dirty="0"/>
+              <a:t> o Aprenentatge Automàtic) que es basa en la biologia, en l’estructura neuronal dels animals. Aquestes xarxes es representen en forma de graf, on els vèrtexs són les neurones encarregades d’emmagatzemar la informació i on les arestes són les connexions encarregades de transformar aquesta informació i transmetre-la a les neurones connectades. </a:t>
+            </a:r>
+          </a:p>
+        </p:txBody>
+      </p:sp>
+    </p:spTree>
+    <p:extLst>
+      <p:ext uri="{BB962C8B-B14F-4D97-AF65-F5344CB8AC3E}">
+        <p14:creationId xmlns:p14="http://schemas.microsoft.com/office/powerpoint/2010/main" val="451036839"/>
+      </p:ext>
+    </p:extLst>
+  </p:cSld>
+  <p:clrMapOvr>
+    <a:masterClrMapping/>
+  </p:clrMapOvr>
+</p:sld>
+</file>
+
+<file path=ppt/slides/slide4.xml><?xml version="1.0" encoding="utf-8"?>
+<p:sld xmlns:a="http://schemas.openxmlformats.org/drawingml/2006/main" xmlns:r="http://schemas.openxmlformats.org/officeDocument/2006/relationships" xmlns:p="http://schemas.openxmlformats.org/presentationml/2006/main">
+  <p:cSld>
+    <p:bg>
+      <p:bgPr>
+        <a:solidFill>
+          <a:schemeClr val="bg1"/>
+        </a:solidFill>
+        <a:effectLst/>
+      </p:bgPr>
+    </p:bg>
+    <p:spTree>
+      <p:nvGrpSpPr>
+        <p:cNvPr id="1" name=""/>
+        <p:cNvGrpSpPr/>
+        <p:nvPr/>
+      </p:nvGrpSpPr>
+      <p:grpSpPr>
+        <a:xfrm>
+          <a:off x="0" y="0"/>
+          <a:ext cx="0" cy="0"/>
+          <a:chOff x="0" y="0"/>
+          <a:chExt cx="0" cy="0"/>
+        </a:xfrm>
+      </p:grpSpPr>
+      <p:sp>
+        <p:nvSpPr>
+          <p:cNvPr id="10" name="Down Arrow 7">
+            <a:extLst>
+              <a:ext uri="{FF2B5EF4-FFF2-40B4-BE49-F238E27FC236}">
+                <a16:creationId xmlns:a16="http://schemas.microsoft.com/office/drawing/2014/main" id="{D4771268-CB57-404A-9271-370EB28F6090}"/>
+              </a:ext>
+              <a:ext uri="{C183D7F6-B498-43B3-948B-1728B52AA6E4}">
+                <adec:decorative xmlns:adec="http://schemas.microsoft.com/office/drawing/2017/decorative" val="1"/>
+              </a:ext>
+            </a:extLst>
+          </p:cNvPr>
+          <p:cNvSpPr>
+            <a:spLocks noGrp="1" noRot="1" noChangeAspect="1" noMove="1" noResize="1" noEditPoints="1" noAdjustHandles="1" noChangeArrowheads="1" noChangeShapeType="1" noTextEdit="1"/>
+          </p:cNvSpPr>
+          <p:nvPr>
+            <p:extLst>
+              <p:ext uri="{386F3935-93C4-4BCD-93E2-E3B085C9AB24}">
+                <p16:designElem xmlns:p16="http://schemas.microsoft.com/office/powerpoint/2015/main" val="1"/>
+              </p:ext>
+            </p:extLst>
+          </p:nvPr>
+        </p:nvSpPr>
+        <p:spPr>
+          <a:xfrm rot="16200000">
+            <a:off x="800100" y="1491343"/>
+            <a:ext cx="3333749" cy="3499103"/>
+          </a:xfrm>
+          <a:prstGeom prst="downArrow">
+            <a:avLst>
+              <a:gd name="adj1" fmla="val 100000"/>
+              <a:gd name="adj2" fmla="val 15788"/>
+            </a:avLst>
+          </a:prstGeom>
+          <a:solidFill>
+            <a:srgbClr val="404040"/>
+          </a:solidFill>
+          <a:ln w="53975">
+            <a:noFill/>
+          </a:ln>
+        </p:spPr>
+        <p:style>
+          <a:lnRef idx="2">
+            <a:schemeClr val="accent1">
+              <a:shade val="50000"/>
+            </a:schemeClr>
+          </a:lnRef>
+          <a:fillRef idx="1">
+            <a:schemeClr val="accent1"/>
+          </a:fillRef>
+          <a:effectRef idx="0">
+            <a:schemeClr val="accent1"/>
+          </a:effectRef>
+          <a:fontRef idx="minor">
+            <a:schemeClr val="lt1"/>
+          </a:fontRef>
+        </p:style>
+        <p:txBody>
+          <a:bodyPr rtlCol="0" anchor="ctr"/>
+          <a:lstStyle/>
+          <a:p>
+            <a:pPr algn="ctr"/>
+            <a:endParaRPr lang="en-US"/>
+          </a:p>
+        </p:txBody>
+      </p:sp>
+      <p:sp>
+        <p:nvSpPr>
+          <p:cNvPr id="2" name="Título 1">
+            <a:extLst>
+              <a:ext uri="{FF2B5EF4-FFF2-40B4-BE49-F238E27FC236}">
+                <a16:creationId xmlns:a16="http://schemas.microsoft.com/office/drawing/2014/main" id="{F9EF1195-C0B6-396C-5FB9-C7478CDADBE5}"/>
+              </a:ext>
+            </a:extLst>
+          </p:cNvPr>
+          <p:cNvSpPr>
+            <a:spLocks noGrp="1"/>
+          </p:cNvSpPr>
+          <p:nvPr>
+            <p:ph type="title"/>
+          </p:nvPr>
+        </p:nvSpPr>
+        <p:spPr>
+          <a:xfrm>
+            <a:off x="1028700" y="1967266"/>
+            <a:ext cx="2628900" cy="2547257"/>
+          </a:xfrm>
+          <a:noFill/>
+        </p:spPr>
+        <p:txBody>
+          <a:bodyPr vert="horz" lIns="91440" tIns="45720" rIns="91440" bIns="45720" rtlCol="0" anchor="ctr">
+            <a:normAutofit/>
+          </a:bodyPr>
+          <a:lstStyle/>
+          <a:p>
+            <a:pPr algn="ctr"/>
+            <a:r>
+              <a:rPr lang="en-US" sz="3300" kern="1200" dirty="0" err="1">
+                <a:solidFill>
+                  <a:srgbClr val="FFFFFF"/>
+                </a:solidFill>
+                <a:latin typeface="+mj-lt"/>
+                <a:ea typeface="+mj-ea"/>
+                <a:cs typeface="+mj-cs"/>
+              </a:rPr>
+              <a:t>Què</a:t>
+            </a:r>
+            <a:r>
+              <a:rPr lang="en-US" sz="3300" kern="1200" dirty="0">
+                <a:solidFill>
+                  <a:srgbClr val="FFFFFF"/>
+                </a:solidFill>
+                <a:latin typeface="+mj-lt"/>
+                <a:ea typeface="+mj-ea"/>
+                <a:cs typeface="+mj-cs"/>
+              </a:rPr>
+              <a:t> </a:t>
+            </a:r>
+            <a:r>
+              <a:rPr lang="en-US" sz="3300" kern="1200" dirty="0" err="1">
+                <a:solidFill>
+                  <a:srgbClr val="FFFFFF"/>
+                </a:solidFill>
+                <a:latin typeface="+mj-lt"/>
+                <a:ea typeface="+mj-ea"/>
+                <a:cs typeface="+mj-cs"/>
+              </a:rPr>
+              <a:t>és</a:t>
+            </a:r>
+            <a:r>
+              <a:rPr lang="en-US" sz="3300" kern="1200" dirty="0">
+                <a:solidFill>
+                  <a:srgbClr val="FFFFFF"/>
+                </a:solidFill>
+                <a:latin typeface="+mj-lt"/>
+                <a:ea typeface="+mj-ea"/>
+                <a:cs typeface="+mj-cs"/>
+              </a:rPr>
+              <a:t> </a:t>
+            </a:r>
+            <a:r>
+              <a:rPr lang="en-US" sz="3300" kern="1200" dirty="0" err="1">
+                <a:solidFill>
+                  <a:srgbClr val="FFFFFF"/>
+                </a:solidFill>
+                <a:latin typeface="+mj-lt"/>
+                <a:ea typeface="+mj-ea"/>
+                <a:cs typeface="+mj-cs"/>
+              </a:rPr>
+              <a:t>una</a:t>
+            </a:r>
+            <a:r>
+              <a:rPr lang="en-US" sz="3300" kern="1200" dirty="0">
+                <a:solidFill>
+                  <a:srgbClr val="FFFFFF"/>
+                </a:solidFill>
+                <a:latin typeface="+mj-lt"/>
+                <a:ea typeface="+mj-ea"/>
+                <a:cs typeface="+mj-cs"/>
+              </a:rPr>
+              <a:t> </a:t>
+            </a:r>
+            <a:r>
+              <a:rPr lang="en-US" sz="3300" kern="1200" dirty="0" err="1">
+                <a:solidFill>
+                  <a:srgbClr val="FFFFFF"/>
+                </a:solidFill>
+                <a:latin typeface="+mj-lt"/>
+                <a:ea typeface="+mj-ea"/>
+                <a:cs typeface="+mj-cs"/>
+              </a:rPr>
+              <a:t>xarxa</a:t>
+            </a:r>
+            <a:r>
+              <a:rPr lang="en-US" sz="3300" kern="1200" dirty="0">
+                <a:solidFill>
+                  <a:srgbClr val="FFFFFF"/>
+                </a:solidFill>
+                <a:latin typeface="+mj-lt"/>
+                <a:ea typeface="+mj-ea"/>
+                <a:cs typeface="+mj-cs"/>
+              </a:rPr>
+              <a:t> neuronal </a:t>
+            </a:r>
+            <a:r>
+              <a:rPr lang="en-US" sz="3300" kern="1200" dirty="0" err="1">
+                <a:solidFill>
+                  <a:srgbClr val="FFFFFF"/>
+                </a:solidFill>
+                <a:latin typeface="+mj-lt"/>
+                <a:ea typeface="+mj-ea"/>
+                <a:cs typeface="+mj-cs"/>
+              </a:rPr>
+              <a:t>i</a:t>
+            </a:r>
+            <a:r>
+              <a:rPr lang="en-US" sz="3300" kern="1200" dirty="0">
+                <a:solidFill>
+                  <a:srgbClr val="FFFFFF"/>
+                </a:solidFill>
+                <a:latin typeface="+mj-lt"/>
+                <a:ea typeface="+mj-ea"/>
+                <a:cs typeface="+mj-cs"/>
+              </a:rPr>
+              <a:t> com </a:t>
+            </a:r>
+            <a:r>
+              <a:rPr lang="en-US" sz="3300" kern="1200" dirty="0" err="1">
+                <a:solidFill>
+                  <a:srgbClr val="FFFFFF"/>
+                </a:solidFill>
+                <a:latin typeface="+mj-lt"/>
+                <a:ea typeface="+mj-ea"/>
+                <a:cs typeface="+mj-cs"/>
+              </a:rPr>
+              <a:t>funciona</a:t>
+            </a:r>
+            <a:endParaRPr lang="en-US" sz="3300" kern="1200" dirty="0">
+              <a:solidFill>
+                <a:srgbClr val="FFFFFF"/>
+              </a:solidFill>
+              <a:latin typeface="+mj-lt"/>
+              <a:ea typeface="+mj-ea"/>
+              <a:cs typeface="+mj-cs"/>
+            </a:endParaRPr>
+          </a:p>
+        </p:txBody>
+      </p:sp>
+      <p:pic>
+        <p:nvPicPr>
+          <p:cNvPr id="5" name="Marcador de contenido 4">
+            <a:extLst>
+              <a:ext uri="{FF2B5EF4-FFF2-40B4-BE49-F238E27FC236}">
+                <a16:creationId xmlns:a16="http://schemas.microsoft.com/office/drawing/2014/main" id="{3DD7385E-A543-E0EC-2B9A-33272981BF25}"/>
+              </a:ext>
+            </a:extLst>
+          </p:cNvPr>
+          <p:cNvPicPr>
+            <a:picLocks noGrp="1" noChangeAspect="1"/>
+          </p:cNvPicPr>
+          <p:nvPr>
+            <p:ph idx="1"/>
+          </p:nvPr>
+        </p:nvPicPr>
+        <p:blipFill>
+          <a:blip r:embed="rId2"/>
+          <a:stretch>
+            <a:fillRect/>
+          </a:stretch>
+        </p:blipFill>
+        <p:spPr>
+          <a:xfrm>
+            <a:off x="5413155" y="643466"/>
+            <a:ext cx="5509021" cy="5568739"/>
+          </a:xfrm>
+          <a:prstGeom prst="rect">
+            <a:avLst/>
+          </a:prstGeom>
+        </p:spPr>
+      </p:pic>
+    </p:spTree>
+    <p:extLst>
+      <p:ext uri="{BB962C8B-B14F-4D97-AF65-F5344CB8AC3E}">
+        <p14:creationId xmlns:p14="http://schemas.microsoft.com/office/powerpoint/2010/main" val="721707938"/>
+      </p:ext>
+    </p:extLst>
+  </p:cSld>
+  <p:clrMapOvr>
+    <a:masterClrMapping/>
+  </p:clrMapOvr>
+</p:sld>
+</file>
+
+<file path=ppt/slides/slide5.xml><?xml version="1.0" encoding="utf-8"?>
+<p:sld xmlns:a="http://schemas.openxmlformats.org/drawingml/2006/main" xmlns:r="http://schemas.openxmlformats.org/officeDocument/2006/relationships" xmlns:p="http://schemas.openxmlformats.org/presentationml/2006/main">
+  <p:cSld>
+    <p:bg>
+      <p:bgPr>
+        <a:solidFill>
+          <a:schemeClr val="bg1"/>
+        </a:solidFill>
+        <a:effectLst/>
+      </p:bgPr>
+    </p:bg>
+    <p:spTree>
+      <p:nvGrpSpPr>
+        <p:cNvPr id="1" name=""/>
+        <p:cNvGrpSpPr/>
+        <p:nvPr/>
+      </p:nvGrpSpPr>
+      <p:grpSpPr>
+        <a:xfrm>
+          <a:off x="0" y="0"/>
+          <a:ext cx="0" cy="0"/>
+          <a:chOff x="0" y="0"/>
+          <a:chExt cx="0" cy="0"/>
+        </a:xfrm>
+      </p:grpSpPr>
+      <p:sp>
+        <p:nvSpPr>
+          <p:cNvPr id="14" name="Rectangle 13">
+            <a:extLst>
+              <a:ext uri="{FF2B5EF4-FFF2-40B4-BE49-F238E27FC236}">
+                <a16:creationId xmlns:a16="http://schemas.microsoft.com/office/drawing/2014/main" id="{A4AC5506-6312-4701-8D3C-40187889A947}"/>
+              </a:ext>
+              <a:ext uri="{C183D7F6-B498-43B3-948B-1728B52AA6E4}">
+                <adec:decorative xmlns:adec="http://schemas.microsoft.com/office/drawing/2017/decorative" val="1"/>
+              </a:ext>
+            </a:extLst>
+          </p:cNvPr>
+          <p:cNvSpPr>
+            <a:spLocks noGrp="1" noRot="1" noChangeAspect="1" noMove="1" noResize="1" noEditPoints="1" noAdjustHandles="1" noChangeArrowheads="1" noChangeShapeType="1" noTextEdit="1"/>
+          </p:cNvSpPr>
+          <p:nvPr>
+            <p:extLst>
+              <p:ext uri="{386F3935-93C4-4BCD-93E2-E3B085C9AB24}">
+                <p16:designElem xmlns:p16="http://schemas.microsoft.com/office/powerpoint/2015/main" val="1"/>
+              </p:ext>
+            </p:extLst>
+          </p:nvPr>
+        </p:nvSpPr>
+        <p:spPr>
+          <a:xfrm>
+            <a:off x="0" y="651752"/>
+            <a:ext cx="12192000" cy="736551"/>
+          </a:xfrm>
+          <a:prstGeom prst="rect">
+            <a:avLst/>
+          </a:prstGeom>
+          <a:solidFill>
+            <a:schemeClr val="tx1"/>
+          </a:solidFill>
+          <a:ln>
+            <a:noFill/>
+          </a:ln>
+        </p:spPr>
+        <p:style>
+          <a:lnRef idx="2">
+            <a:schemeClr val="accent1">
+              <a:shade val="50000"/>
+            </a:schemeClr>
+          </a:lnRef>
+          <a:fillRef idx="1">
+            <a:schemeClr val="accent1"/>
+          </a:fillRef>
+          <a:effectRef idx="0">
+            <a:schemeClr val="accent1"/>
+          </a:effectRef>
+          <a:fontRef idx="minor">
+            <a:schemeClr val="lt1"/>
+          </a:fontRef>
+        </p:style>
+        <p:txBody>
+          <a:bodyPr rtlCol="0" anchor="ctr"/>
+          <a:lstStyle/>
+          <a:p>
+            <a:pPr algn="ctr"/>
+            <a:endParaRPr lang="en-US"/>
+          </a:p>
+        </p:txBody>
+      </p:sp>
+      <p:sp>
+        <p:nvSpPr>
+          <p:cNvPr id="2" name="Título 1">
+            <a:extLst>
+              <a:ext uri="{FF2B5EF4-FFF2-40B4-BE49-F238E27FC236}">
+                <a16:creationId xmlns:a16="http://schemas.microsoft.com/office/drawing/2014/main" id="{723B20EE-E41E-3D24-D484-A4ED7A6F837B}"/>
+              </a:ext>
+            </a:extLst>
+          </p:cNvPr>
+          <p:cNvSpPr>
+            <a:spLocks noGrp="1"/>
+          </p:cNvSpPr>
+          <p:nvPr>
+            <p:ph type="title"/>
+          </p:nvPr>
+        </p:nvSpPr>
+        <p:spPr>
+          <a:xfrm>
+            <a:off x="556532" y="643467"/>
+            <a:ext cx="11210925" cy="744836"/>
+          </a:xfrm>
+        </p:spPr>
+        <p:txBody>
+          <a:bodyPr vert="horz" lIns="91440" tIns="45720" rIns="91440" bIns="45720" rtlCol="0" anchor="ctr">
+            <a:normAutofit/>
+          </a:bodyPr>
+          <a:lstStyle/>
+          <a:p>
+            <a:pPr algn="ctr"/>
+            <a:r>
+              <a:rPr lang="en-US" sz="3200" kern="1200" dirty="0" err="1">
+                <a:solidFill>
+                  <a:schemeClr val="bg1"/>
+                </a:solidFill>
+                <a:latin typeface="+mj-lt"/>
+                <a:ea typeface="+mj-ea"/>
+                <a:cs typeface="+mj-cs"/>
+              </a:rPr>
+              <a:t>Què</a:t>
+            </a:r>
+            <a:r>
+              <a:rPr lang="en-US" sz="3200" kern="1200" dirty="0">
+                <a:solidFill>
+                  <a:schemeClr val="bg1"/>
+                </a:solidFill>
+                <a:latin typeface="+mj-lt"/>
+                <a:ea typeface="+mj-ea"/>
+                <a:cs typeface="+mj-cs"/>
+              </a:rPr>
+              <a:t> </a:t>
+            </a:r>
+            <a:r>
+              <a:rPr lang="en-US" sz="3200" kern="1200" dirty="0" err="1">
+                <a:solidFill>
+                  <a:schemeClr val="bg1"/>
+                </a:solidFill>
+                <a:latin typeface="+mj-lt"/>
+                <a:ea typeface="+mj-ea"/>
+                <a:cs typeface="+mj-cs"/>
+              </a:rPr>
+              <a:t>és</a:t>
+            </a:r>
+            <a:r>
+              <a:rPr lang="en-US" sz="3200" kern="1200" dirty="0">
+                <a:solidFill>
+                  <a:schemeClr val="bg1"/>
+                </a:solidFill>
+                <a:latin typeface="+mj-lt"/>
+                <a:ea typeface="+mj-ea"/>
+                <a:cs typeface="+mj-cs"/>
+              </a:rPr>
+              <a:t> </a:t>
+            </a:r>
+            <a:r>
+              <a:rPr lang="en-US" sz="3200" kern="1200" dirty="0" err="1">
+                <a:solidFill>
+                  <a:schemeClr val="bg1"/>
+                </a:solidFill>
+                <a:latin typeface="+mj-lt"/>
+                <a:ea typeface="+mj-ea"/>
+                <a:cs typeface="+mj-cs"/>
+              </a:rPr>
+              <a:t>l’algoritme</a:t>
+            </a:r>
+            <a:r>
+              <a:rPr lang="en-US" sz="3200" kern="1200" dirty="0">
+                <a:solidFill>
+                  <a:schemeClr val="bg1"/>
+                </a:solidFill>
+                <a:latin typeface="+mj-lt"/>
+                <a:ea typeface="+mj-ea"/>
+                <a:cs typeface="+mj-cs"/>
+              </a:rPr>
+              <a:t> neat</a:t>
+            </a:r>
+          </a:p>
+        </p:txBody>
+      </p:sp>
+      <p:pic>
+        <p:nvPicPr>
+          <p:cNvPr id="9" name="Marcador de contenido 8">
+            <a:extLst>
+              <a:ext uri="{FF2B5EF4-FFF2-40B4-BE49-F238E27FC236}">
+                <a16:creationId xmlns:a16="http://schemas.microsoft.com/office/drawing/2014/main" id="{B2578235-C8CE-07B4-6CA3-08B76EAACE8C}"/>
+              </a:ext>
+            </a:extLst>
+          </p:cNvPr>
+          <p:cNvPicPr>
+            <a:picLocks noGrp="1" noChangeAspect="1"/>
+          </p:cNvPicPr>
+          <p:nvPr>
+            <p:ph idx="1"/>
+          </p:nvPr>
+        </p:nvPicPr>
+        <p:blipFill>
+          <a:blip r:embed="rId2"/>
+          <a:stretch>
+            <a:fillRect/>
+          </a:stretch>
+        </p:blipFill>
+        <p:spPr>
+          <a:xfrm>
+            <a:off x="2155014" y="1675227"/>
+            <a:ext cx="7881971" cy="4394199"/>
+          </a:xfrm>
+          <a:prstGeom prst="rect">
+            <a:avLst/>
+          </a:prstGeom>
+        </p:spPr>
+      </p:pic>
+    </p:spTree>
+    <p:extLst>
+      <p:ext uri="{BB962C8B-B14F-4D97-AF65-F5344CB8AC3E}">
+        <p14:creationId xmlns:p14="http://schemas.microsoft.com/office/powerpoint/2010/main" val="109827029"/>
+      </p:ext>
+    </p:extLst>
+  </p:cSld>
+  <p:clrMapOvr>
+    <a:masterClrMapping/>
+  </p:clrMapOvr>
+</p:sld>
+</file>
+
+<file path=ppt/slides/slide6.xml><?xml version="1.0" encoding="utf-8"?>
+<p:sld xmlns:a="http://schemas.openxmlformats.org/drawingml/2006/main" xmlns:r="http://schemas.openxmlformats.org/officeDocument/2006/relationships" xmlns:p="http://schemas.openxmlformats.org/presentationml/2006/main">
+  <p:cSld>
+    <p:spTree>
+      <p:nvGrpSpPr>
+        <p:cNvPr id="1" name=""/>
+        <p:cNvGrpSpPr/>
+        <p:nvPr/>
+      </p:nvGrpSpPr>
+      <p:grpSpPr>
+        <a:xfrm>
+          <a:off x="0" y="0"/>
+          <a:ext cx="0" cy="0"/>
+          <a:chOff x="0" y="0"/>
+          <a:chExt cx="0" cy="0"/>
+        </a:xfrm>
+      </p:grpSpPr>
+      <p:sp>
+        <p:nvSpPr>
+          <p:cNvPr id="2" name="Título 1">
+            <a:extLst>
+              <a:ext uri="{FF2B5EF4-FFF2-40B4-BE49-F238E27FC236}">
+                <a16:creationId xmlns:a16="http://schemas.microsoft.com/office/drawing/2014/main" id="{CAC65242-15D8-B3C5-6EF9-892677DCF6C4}"/>
+              </a:ext>
+            </a:extLst>
+          </p:cNvPr>
+          <p:cNvSpPr>
+            <a:spLocks noGrp="1"/>
+          </p:cNvSpPr>
+          <p:nvPr>
+            <p:ph type="title"/>
+          </p:nvPr>
+        </p:nvSpPr>
+        <p:spPr/>
+        <p:txBody>
+          <a:bodyPr/>
+          <a:lstStyle/>
+          <a:p>
+            <a:r>
+              <a:rPr lang="es-ES" dirty="0"/>
+              <a:t>LA APPFLY IA: FLAPPY BIRD</a:t>
+            </a:r>
+            <a:endParaRPr lang="ca-ES" dirty="0"/>
+          </a:p>
+        </p:txBody>
+      </p:sp>
+      <p:sp>
+        <p:nvSpPr>
+          <p:cNvPr id="3" name="Marcador de contenido 2">
+            <a:extLst>
+              <a:ext uri="{FF2B5EF4-FFF2-40B4-BE49-F238E27FC236}">
+                <a16:creationId xmlns:a16="http://schemas.microsoft.com/office/drawing/2014/main" id="{E4BBE11B-B949-7012-712C-6474D56ABE41}"/>
+              </a:ext>
+            </a:extLst>
+          </p:cNvPr>
+          <p:cNvSpPr>
+            <a:spLocks noGrp="1"/>
+          </p:cNvSpPr>
+          <p:nvPr>
+            <p:ph idx="1"/>
+          </p:nvPr>
+        </p:nvSpPr>
+        <p:spPr/>
+        <p:txBody>
+          <a:bodyPr/>
+          <a:lstStyle/>
+          <a:p>
+            <a:r>
+              <a:rPr lang="ca-ES" dirty="0" err="1"/>
+              <a:t>Flappy</a:t>
+            </a:r>
+            <a:r>
+              <a:rPr lang="ca-ES" dirty="0"/>
+              <a:t> Bird és un joc que es va popularitzar a partir de l'any 2013 i que consisteix a controlar un ocell que ha de volar entre una sèrie de tubs cilíndrics que apareixen a la pantalla. Per mantenir-lo en vol, el jugador ha de tocar la pantalla enlairant l'ocell lleugerament, i si no es toca, l'ocell cau a causa de la gravetat. L'objectiu principal és passar entre els tubs sense xocar-hi ni caure a terra, i cada cop que l'ocell passa amb èxit entre dos tubs, el jugador guanya un punt.</a:t>
+            </a:r>
+          </a:p>
+        </p:txBody>
+      </p:sp>
+    </p:spTree>
+    <p:extLst>
+      <p:ext uri="{BB962C8B-B14F-4D97-AF65-F5344CB8AC3E}">
+        <p14:creationId xmlns:p14="http://schemas.microsoft.com/office/powerpoint/2010/main" val="93887949"/>
+      </p:ext>
+    </p:extLst>
+  </p:cSld>
+  <p:clrMapOvr>
+    <a:masterClrMapping/>
+  </p:clrMapOvr>
+</p:sld>
+</file>
+
+<file path=ppt/slides/slide7.xml><?xml version="1.0" encoding="utf-8"?>
+<p:sld xmlns:a="http://schemas.openxmlformats.org/drawingml/2006/main" xmlns:r="http://schemas.openxmlformats.org/officeDocument/2006/relationships" xmlns:p="http://schemas.openxmlformats.org/presentationml/2006/main">
+  <p:cSld>
+    <p:bg>
+      <p:bgPr>
+        <a:solidFill>
+          <a:schemeClr val="bg1"/>
+        </a:solidFill>
+        <a:effectLst/>
+      </p:bgPr>
+    </p:bg>
+    <p:spTree>
+      <p:nvGrpSpPr>
+        <p:cNvPr id="1" name=""/>
+        <p:cNvGrpSpPr/>
+        <p:nvPr/>
+      </p:nvGrpSpPr>
+      <p:grpSpPr>
+        <a:xfrm>
+          <a:off x="0" y="0"/>
+          <a:ext cx="0" cy="0"/>
+          <a:chOff x="0" y="0"/>
+          <a:chExt cx="0" cy="0"/>
+        </a:xfrm>
+      </p:grpSpPr>
+      <p:sp useBgFill="1">
+        <p:nvSpPr>
+          <p:cNvPr id="12" name="Rectangle 11">
+            <a:extLst>
+              <a:ext uri="{FF2B5EF4-FFF2-40B4-BE49-F238E27FC236}">
+                <a16:creationId xmlns:a16="http://schemas.microsoft.com/office/drawing/2014/main" id="{743AA782-23D1-4521-8CAD-47662984AA08}"/>
+              </a:ext>
+              <a:ext uri="{C183D7F6-B498-43B3-948B-1728B52AA6E4}">
+                <adec:decorative xmlns:adec="http://schemas.microsoft.com/office/drawing/2017/decorative" val="1"/>
+              </a:ext>
+            </a:extLst>
+          </p:cNvPr>
+          <p:cNvSpPr>
+            <a:spLocks noGrp="1" noRot="1" noChangeAspect="1" noMove="1" noResize="1" noEditPoints="1" noAdjustHandles="1" noChangeArrowheads="1" noChangeShapeType="1" noTextEdit="1"/>
+          </p:cNvSpPr>
+          <p:nvPr>
+            <p:extLst>
+              <p:ext uri="{386F3935-93C4-4BCD-93E2-E3B085C9AB24}">
+                <p16:designElem xmlns:p16="http://schemas.microsoft.com/office/powerpoint/2015/main" val="1"/>
+              </p:ext>
+            </p:extLst>
+          </p:nvPr>
+        </p:nvSpPr>
+        <p:spPr>
+          <a:xfrm>
+            <a:off x="0" y="0"/>
+            <a:ext cx="12192000" cy="6858000"/>
+          </a:xfrm>
+          <a:prstGeom prst="rect">
+            <a:avLst/>
+          </a:prstGeom>
+          <a:ln>
+            <a:noFill/>
+          </a:ln>
+        </p:spPr>
+        <p:style>
+          <a:lnRef idx="2">
+            <a:schemeClr val="accent1">
+              <a:shade val="50000"/>
+            </a:schemeClr>
+          </a:lnRef>
+          <a:fillRef idx="1">
+            <a:schemeClr val="accent1"/>
+          </a:fillRef>
+          <a:effectRef idx="0">
+            <a:schemeClr val="accent1"/>
+          </a:effectRef>
+          <a:fontRef idx="minor">
+            <a:schemeClr val="lt1"/>
+          </a:fontRef>
+        </p:style>
+        <p:txBody>
+          <a:bodyPr rtlCol="0" anchor="ctr"/>
+          <a:lstStyle/>
+          <a:p>
+            <a:pPr algn="ctr"/>
+            <a:endParaRPr lang="en-US"/>
+          </a:p>
+        </p:txBody>
+      </p:sp>
+      <p:sp>
+        <p:nvSpPr>
+          <p:cNvPr id="2" name="Título 1">
+            <a:extLst>
+              <a:ext uri="{FF2B5EF4-FFF2-40B4-BE49-F238E27FC236}">
+                <a16:creationId xmlns:a16="http://schemas.microsoft.com/office/drawing/2014/main" id="{432D8D28-551E-72B4-EB14-5BABA246D9F0}"/>
+              </a:ext>
+            </a:extLst>
+          </p:cNvPr>
+          <p:cNvSpPr>
+            <a:spLocks noGrp="1"/>
+          </p:cNvSpPr>
+          <p:nvPr>
+            <p:ph type="title"/>
+          </p:nvPr>
+        </p:nvSpPr>
+        <p:spPr>
+          <a:xfrm>
+            <a:off x="630936" y="640080"/>
+            <a:ext cx="4818888" cy="1481328"/>
+          </a:xfrm>
+        </p:spPr>
+        <p:txBody>
+          <a:bodyPr anchor="b">
+            <a:normAutofit/>
+          </a:bodyPr>
+          <a:lstStyle/>
+          <a:p>
+            <a:r>
+              <a:rPr lang="es-ES" sz="5000"/>
+              <a:t>Com juntem el flappy bird a la IA?</a:t>
+            </a:r>
+            <a:endParaRPr lang="ca-ES" sz="5000"/>
+          </a:p>
+        </p:txBody>
+      </p:sp>
+      <p:sp>
+        <p:nvSpPr>
+          <p:cNvPr id="14" name="sketch line">
+            <a:extLst>
+              <a:ext uri="{FF2B5EF4-FFF2-40B4-BE49-F238E27FC236}">
+                <a16:creationId xmlns:a16="http://schemas.microsoft.com/office/drawing/2014/main" id="{650D18FE-0824-4A46-B22C-A86B52E5780A}"/>
+              </a:ext>
+              <a:ext uri="{C183D7F6-B498-43B3-948B-1728B52AA6E4}">
+                <adec:decorative xmlns:adec="http://schemas.microsoft.com/office/drawing/2017/decorative" val="1"/>
+              </a:ext>
+            </a:extLst>
+          </p:cNvPr>
+          <p:cNvSpPr>
+            <a:spLocks noGrp="1" noRot="1" noChangeAspect="1" noMove="1" noResize="1" noEditPoints="1" noAdjustHandles="1" noChangeArrowheads="1" noChangeShapeType="1" noTextEdit="1"/>
+          </p:cNvSpPr>
+          <p:nvPr>
+            <p:extLst>
+              <p:ext uri="{386F3935-93C4-4BCD-93E2-E3B085C9AB24}">
+                <p16:designElem xmlns:p16="http://schemas.microsoft.com/office/powerpoint/2015/main" val="1"/>
+              </p:ext>
+            </p:extLst>
+          </p:nvPr>
+        </p:nvSpPr>
+        <p:spPr>
+          <a:xfrm>
+            <a:off x="643278" y="2372868"/>
+            <a:ext cx="3255095" cy="18288"/>
+          </a:xfrm>
+          <a:custGeom>
+            <a:avLst/>
+            <a:gdLst>
+              <a:gd name="connsiteX0" fmla="*/ 0 w 3255095"/>
+              <a:gd name="connsiteY0" fmla="*/ 0 h 18288"/>
+              <a:gd name="connsiteX1" fmla="*/ 618468 w 3255095"/>
+              <a:gd name="connsiteY1" fmla="*/ 0 h 18288"/>
+              <a:gd name="connsiteX2" fmla="*/ 1269487 w 3255095"/>
+              <a:gd name="connsiteY2" fmla="*/ 0 h 18288"/>
+              <a:gd name="connsiteX3" fmla="*/ 1953057 w 3255095"/>
+              <a:gd name="connsiteY3" fmla="*/ 0 h 18288"/>
+              <a:gd name="connsiteX4" fmla="*/ 2636627 w 3255095"/>
+              <a:gd name="connsiteY4" fmla="*/ 0 h 18288"/>
+              <a:gd name="connsiteX5" fmla="*/ 3255095 w 3255095"/>
+              <a:gd name="connsiteY5" fmla="*/ 0 h 18288"/>
+              <a:gd name="connsiteX6" fmla="*/ 3255095 w 3255095"/>
+              <a:gd name="connsiteY6" fmla="*/ 18288 h 18288"/>
+              <a:gd name="connsiteX7" fmla="*/ 2538974 w 3255095"/>
+              <a:gd name="connsiteY7" fmla="*/ 18288 h 18288"/>
+              <a:gd name="connsiteX8" fmla="*/ 1822853 w 3255095"/>
+              <a:gd name="connsiteY8" fmla="*/ 18288 h 18288"/>
+              <a:gd name="connsiteX9" fmla="*/ 1171834 w 3255095"/>
+              <a:gd name="connsiteY9" fmla="*/ 18288 h 18288"/>
+              <a:gd name="connsiteX10" fmla="*/ 0 w 3255095"/>
+              <a:gd name="connsiteY10" fmla="*/ 18288 h 18288"/>
+              <a:gd name="connsiteX11" fmla="*/ 0 w 3255095"/>
+              <a:gd name="connsiteY11" fmla="*/ 0 h 18288"/>
+            </a:gdLst>
+            <a:ahLst/>
+            <a:cxnLst>
+              <a:cxn ang="0">
+                <a:pos x="connsiteX0" y="connsiteY0"/>
+              </a:cxn>
+              <a:cxn ang="0">
+                <a:pos x="connsiteX1" y="connsiteY1"/>
+              </a:cxn>
+              <a:cxn ang="0">
+                <a:pos x="connsiteX2" y="connsiteY2"/>
+              </a:cxn>
+              <a:cxn ang="0">
+                <a:pos x="connsiteX3" y="connsiteY3"/>
+              </a:cxn>
+              <a:cxn ang="0">
+                <a:pos x="connsiteX4" y="connsiteY4"/>
+              </a:cxn>
+              <a:cxn ang="0">
+                <a:pos x="connsiteX5" y="connsiteY5"/>
+              </a:cxn>
+              <a:cxn ang="0">
+                <a:pos x="connsiteX6" y="connsiteY6"/>
+              </a:cxn>
+              <a:cxn ang="0">
+                <a:pos x="connsiteX7" y="connsiteY7"/>
+              </a:cxn>
+              <a:cxn ang="0">
+                <a:pos x="connsiteX8" y="connsiteY8"/>
+              </a:cxn>
+              <a:cxn ang="0">
+                <a:pos x="connsiteX9" y="connsiteY9"/>
+              </a:cxn>
+              <a:cxn ang="0">
+                <a:pos x="connsiteX10" y="connsiteY10"/>
+              </a:cxn>
+              <a:cxn ang="0">
+                <a:pos x="connsiteX11" y="connsiteY11"/>
+              </a:cxn>
+            </a:cxnLst>
+            <a:rect l="l" t="t" r="r" b="b"/>
+            <a:pathLst>
+              <a:path w="3255095" h="18288" fill="none" extrusionOk="0">
+                <a:moveTo>
+                  <a:pt x="0" y="0"/>
+                </a:moveTo>
+                <a:cubicBezTo>
+                  <a:pt x="240201" y="-22123"/>
+                  <a:pt x="462021" y="-19623"/>
+                  <a:pt x="618468" y="0"/>
+                </a:cubicBezTo>
+                <a:cubicBezTo>
+                  <a:pt x="774915" y="19623"/>
+                  <a:pt x="974734" y="2035"/>
+                  <a:pt x="1269487" y="0"/>
+                </a:cubicBezTo>
+                <a:cubicBezTo>
+                  <a:pt x="1564240" y="-2035"/>
+                  <a:pt x="1733579" y="10639"/>
+                  <a:pt x="1953057" y="0"/>
+                </a:cubicBezTo>
+                <a:cubicBezTo>
+                  <a:pt x="2172535" y="-10639"/>
+                  <a:pt x="2453962" y="14018"/>
+                  <a:pt x="2636627" y="0"/>
+                </a:cubicBezTo>
+                <a:cubicBezTo>
+                  <a:pt x="2819292" y="-14018"/>
+                  <a:pt x="3121375" y="5399"/>
+                  <a:pt x="3255095" y="0"/>
+                </a:cubicBezTo>
+                <a:cubicBezTo>
+                  <a:pt x="3254386" y="8157"/>
+                  <a:pt x="3254682" y="12125"/>
+                  <a:pt x="3255095" y="18288"/>
+                </a:cubicBezTo>
+                <a:cubicBezTo>
+                  <a:pt x="3088545" y="23203"/>
+                  <a:pt x="2687475" y="7419"/>
+                  <a:pt x="2538974" y="18288"/>
+                </a:cubicBezTo>
+                <a:cubicBezTo>
+                  <a:pt x="2390473" y="29157"/>
+                  <a:pt x="2137381" y="-8959"/>
+                  <a:pt x="1822853" y="18288"/>
+                </a:cubicBezTo>
+                <a:cubicBezTo>
+                  <a:pt x="1508325" y="45535"/>
+                  <a:pt x="1466437" y="20385"/>
+                  <a:pt x="1171834" y="18288"/>
+                </a:cubicBezTo>
+                <a:cubicBezTo>
+                  <a:pt x="877231" y="16191"/>
+                  <a:pt x="561097" y="37643"/>
+                  <a:pt x="0" y="18288"/>
+                </a:cubicBezTo>
+                <a:cubicBezTo>
+                  <a:pt x="-46" y="12483"/>
+                  <a:pt x="-203" y="6491"/>
+                  <a:pt x="0" y="0"/>
+                </a:cubicBezTo>
+                <a:close/>
+              </a:path>
+              <a:path w="3255095" h="18288" stroke="0" extrusionOk="0">
+                <a:moveTo>
+                  <a:pt x="0" y="0"/>
+                </a:moveTo>
+                <a:cubicBezTo>
+                  <a:pt x="291965" y="19429"/>
+                  <a:pt x="363155" y="8568"/>
+                  <a:pt x="618468" y="0"/>
+                </a:cubicBezTo>
+                <a:cubicBezTo>
+                  <a:pt x="873781" y="-8568"/>
+                  <a:pt x="904459" y="-19505"/>
+                  <a:pt x="1171834" y="0"/>
+                </a:cubicBezTo>
+                <a:cubicBezTo>
+                  <a:pt x="1439209" y="19505"/>
+                  <a:pt x="1744369" y="9790"/>
+                  <a:pt x="1887955" y="0"/>
+                </a:cubicBezTo>
+                <a:cubicBezTo>
+                  <a:pt x="2031541" y="-9790"/>
+                  <a:pt x="2346378" y="21240"/>
+                  <a:pt x="2506423" y="0"/>
+                </a:cubicBezTo>
+                <a:cubicBezTo>
+                  <a:pt x="2666468" y="-21240"/>
+                  <a:pt x="2990257" y="30414"/>
+                  <a:pt x="3255095" y="0"/>
+                </a:cubicBezTo>
+                <a:cubicBezTo>
+                  <a:pt x="3254831" y="4493"/>
+                  <a:pt x="3255479" y="9472"/>
+                  <a:pt x="3255095" y="18288"/>
+                </a:cubicBezTo>
+                <a:cubicBezTo>
+                  <a:pt x="3120743" y="16690"/>
+                  <a:pt x="2759628" y="42462"/>
+                  <a:pt x="2604076" y="18288"/>
+                </a:cubicBezTo>
+                <a:cubicBezTo>
+                  <a:pt x="2448524" y="-5886"/>
+                  <a:pt x="2184336" y="19599"/>
+                  <a:pt x="1887955" y="18288"/>
+                </a:cubicBezTo>
+                <a:cubicBezTo>
+                  <a:pt x="1591574" y="16977"/>
+                  <a:pt x="1548845" y="6870"/>
+                  <a:pt x="1334589" y="18288"/>
+                </a:cubicBezTo>
+                <a:cubicBezTo>
+                  <a:pt x="1120333" y="29706"/>
+                  <a:pt x="996014" y="9662"/>
+                  <a:pt x="683570" y="18288"/>
+                </a:cubicBezTo>
+                <a:cubicBezTo>
+                  <a:pt x="371126" y="26914"/>
+                  <a:pt x="198687" y="16167"/>
+                  <a:pt x="0" y="18288"/>
+                </a:cubicBezTo>
+                <a:cubicBezTo>
+                  <a:pt x="843" y="9577"/>
+                  <a:pt x="371" y="6900"/>
+                  <a:pt x="0" y="0"/>
+                </a:cubicBezTo>
+                <a:close/>
+              </a:path>
+            </a:pathLst>
+          </a:custGeom>
+          <a:solidFill>
+            <a:schemeClr val="accent2"/>
+          </a:solidFill>
+          <a:ln w="38100" cap="rnd">
+            <a:solidFill>
+              <a:schemeClr val="accent2"/>
+            </a:solidFill>
+            <a:round/>
+            <a:extLst>
+              <a:ext uri="{C807C97D-BFC1-408E-A445-0C87EB9F89A2}">
+                <ask:lineSketchStyleProps xmlns:ask="http://schemas.microsoft.com/office/drawing/2018/sketchyshapes" sd="1219033472">
+                  <a:prstGeom prst="rect">
+                    <a:avLst/>
+                  </a:prstGeom>
+                  <ask:type>
+                    <ask:lineSketchFreehand/>
+                  </ask:type>
+                </ask:lineSketchStyleProps>
+              </a:ext>
+            </a:extLst>
+          </a:ln>
+        </p:spPr>
+        <p:style>
+          <a:lnRef idx="2">
+            <a:schemeClr val="accent1">
+              <a:shade val="50000"/>
+            </a:schemeClr>
+          </a:lnRef>
+          <a:fillRef idx="1">
+            <a:schemeClr val="accent1"/>
+          </a:fillRef>
+          <a:effectRef idx="0">
+            <a:schemeClr val="accent1"/>
+          </a:effectRef>
+          <a:fontRef idx="minor">
+            <a:schemeClr val="lt1"/>
+          </a:fontRef>
+        </p:style>
+        <p:txBody>
+          <a:bodyPr rtlCol="0" anchor="ctr"/>
+          <a:lstStyle/>
+          <a:p>
+            <a:pPr algn="ctr"/>
+            <a:endParaRPr lang="en-US"/>
+          </a:p>
+        </p:txBody>
+      </p:sp>
+      <p:sp>
+        <p:nvSpPr>
+          <p:cNvPr id="9" name="Content Placeholder 8">
+            <a:extLst>
+              <a:ext uri="{FF2B5EF4-FFF2-40B4-BE49-F238E27FC236}">
+                <a16:creationId xmlns:a16="http://schemas.microsoft.com/office/drawing/2014/main" id="{C33C065A-2D2F-01DF-149E-90F592A52823}"/>
+              </a:ext>
+            </a:extLst>
+          </p:cNvPr>
+          <p:cNvSpPr>
+            <a:spLocks noGrp="1"/>
+          </p:cNvSpPr>
+          <p:nvPr>
+            <p:ph idx="1"/>
+          </p:nvPr>
+        </p:nvSpPr>
+        <p:spPr>
+          <a:xfrm>
+            <a:off x="630936" y="2660904"/>
+            <a:ext cx="4818888" cy="3547872"/>
+          </a:xfrm>
+        </p:spPr>
+        <p:txBody>
+          <a:bodyPr anchor="t">
+            <a:normAutofit/>
+          </a:bodyPr>
+          <a:lstStyle/>
+          <a:p>
+            <a:r>
+              <a:rPr lang="ca-ES" sz="1600" dirty="0"/>
+              <a:t>FITNESS, INPUTS, ALTRES CONSTANTS </a:t>
+            </a:r>
+            <a:endParaRPr lang="en-US" sz="2200" dirty="0"/>
+          </a:p>
+        </p:txBody>
+      </p:sp>
+      <p:pic>
+        <p:nvPicPr>
+          <p:cNvPr id="5" name="Marcador de contenido 4">
+            <a:extLst>
+              <a:ext uri="{FF2B5EF4-FFF2-40B4-BE49-F238E27FC236}">
+                <a16:creationId xmlns:a16="http://schemas.microsoft.com/office/drawing/2014/main" id="{511AD4A8-6604-E355-2458-EEF182E475FD}"/>
+              </a:ext>
+            </a:extLst>
+          </p:cNvPr>
+          <p:cNvPicPr>
+            <a:picLocks noChangeAspect="1"/>
+          </p:cNvPicPr>
+          <p:nvPr/>
+        </p:nvPicPr>
+        <p:blipFill>
+          <a:blip r:embed="rId2"/>
+          <a:stretch>
+            <a:fillRect/>
+          </a:stretch>
+        </p:blipFill>
+        <p:spPr>
+          <a:xfrm>
+            <a:off x="6762988" y="640080"/>
+            <a:ext cx="4131088" cy="5577840"/>
+          </a:xfrm>
+          <a:prstGeom prst="rect">
+            <a:avLst/>
+          </a:prstGeom>
+        </p:spPr>
+      </p:pic>
+    </p:spTree>
+    <p:extLst>
+      <p:ext uri="{BB962C8B-B14F-4D97-AF65-F5344CB8AC3E}">
+        <p14:creationId xmlns:p14="http://schemas.microsoft.com/office/powerpoint/2010/main" val="1073791071"/>
+      </p:ext>
+    </p:extLst>
+  </p:cSld>
+  <p:clrMapOvr>
+    <a:masterClrMapping/>
+  </p:clrMapOvr>
+</p:sld>
+</file>
+
+<file path=ppt/slides/slide8.xml><?xml version="1.0" encoding="utf-8"?>
+<p:sld xmlns:a="http://schemas.openxmlformats.org/drawingml/2006/main" xmlns:r="http://schemas.openxmlformats.org/officeDocument/2006/relationships" xmlns:p="http://schemas.openxmlformats.org/presentationml/2006/main">
+  <p:cSld>
+    <p:bg>
+      <p:bgPr>
+        <a:solidFill>
+          <a:schemeClr val="bg1"/>
+        </a:solidFill>
+        <a:effectLst/>
+      </p:bgPr>
+    </p:bg>
+    <p:spTree>
+      <p:nvGrpSpPr>
+        <p:cNvPr id="1" name=""/>
+        <p:cNvGrpSpPr/>
+        <p:nvPr/>
+      </p:nvGrpSpPr>
+      <p:grpSpPr>
+        <a:xfrm>
+          <a:off x="0" y="0"/>
+          <a:ext cx="0" cy="0"/>
+          <a:chOff x="0" y="0"/>
+          <a:chExt cx="0" cy="0"/>
+        </a:xfrm>
+      </p:grpSpPr>
+      <p:sp useBgFill="1">
+        <p:nvSpPr>
+          <p:cNvPr id="10" name="Rectangle 9">
+            <a:extLst>
+              <a:ext uri="{FF2B5EF4-FFF2-40B4-BE49-F238E27FC236}">
+                <a16:creationId xmlns:a16="http://schemas.microsoft.com/office/drawing/2014/main" id="{5DCB5928-DC7D-4612-9922-441966E15627}"/>
+              </a:ext>
+              <a:ext uri="{C183D7F6-B498-43B3-948B-1728B52AA6E4}">
+                <adec:decorative xmlns:adec="http://schemas.microsoft.com/office/drawing/2017/decorative" val="1"/>
+              </a:ext>
+            </a:extLst>
+          </p:cNvPr>
+          <p:cNvSpPr>
+            <a:spLocks noGrp="1" noRot="1" noChangeAspect="1" noMove="1" noResize="1" noEditPoints="1" noAdjustHandles="1" noChangeArrowheads="1" noChangeShapeType="1" noTextEdit="1"/>
+          </p:cNvSpPr>
+          <p:nvPr>
+            <p:extLst>
+              <p:ext uri="{386F3935-93C4-4BCD-93E2-E3B085C9AB24}">
+                <p16:designElem xmlns:p16="http://schemas.microsoft.com/office/powerpoint/2015/main" val="1"/>
+              </p:ext>
+            </p:extLst>
+          </p:nvPr>
+        </p:nvSpPr>
+        <p:spPr>
+          <a:xfrm>
+            <a:off x="0" y="0"/>
+            <a:ext cx="12192000" cy="6858000"/>
+          </a:xfrm>
+          <a:prstGeom prst="rect">
+            <a:avLst/>
+          </a:prstGeom>
+          <a:ln>
+            <a:noFill/>
+          </a:ln>
+        </p:spPr>
+        <p:style>
+          <a:lnRef idx="2">
+            <a:schemeClr val="accent1">
+              <a:shade val="50000"/>
+            </a:schemeClr>
+          </a:lnRef>
+          <a:fillRef idx="1">
+            <a:schemeClr val="accent1"/>
+          </a:fillRef>
+          <a:effectRef idx="0">
+            <a:schemeClr val="accent1"/>
+          </a:effectRef>
+          <a:fontRef idx="minor">
+            <a:schemeClr val="lt1"/>
+          </a:fontRef>
+        </p:style>
+        <p:txBody>
+          <a:bodyPr rtlCol="0" anchor="ctr"/>
+          <a:lstStyle/>
+          <a:p>
+            <a:pPr algn="ctr"/>
+            <a:endParaRPr lang="en-US"/>
+          </a:p>
+        </p:txBody>
+      </p:sp>
+      <p:sp useBgFill="1">
+        <p:nvSpPr>
+          <p:cNvPr id="12" name="Freeform: Shape 11">
+            <a:extLst>
+              <a:ext uri="{FF2B5EF4-FFF2-40B4-BE49-F238E27FC236}">
+                <a16:creationId xmlns:a16="http://schemas.microsoft.com/office/drawing/2014/main" id="{682C1161-1736-45EC-99B7-33F3CAE9D517}"/>
+              </a:ext>
+              <a:ext uri="{C183D7F6-B498-43B3-948B-1728B52AA6E4}">
+                <adec:decorative xmlns:adec="http://schemas.microsoft.com/office/drawing/2017/decorative" val="1"/>
+              </a:ext>
+            </a:extLst>
+          </p:cNvPr>
+          <p:cNvSpPr>
+            <a:spLocks noGrp="1" noRot="1" noChangeAspect="1" noMove="1" noResize="1" noEditPoints="1" noAdjustHandles="1" noChangeArrowheads="1" noChangeShapeType="1" noTextEdit="1"/>
+          </p:cNvSpPr>
+          <p:nvPr>
+            <p:extLst>
+              <p:ext uri="{386F3935-93C4-4BCD-93E2-E3B085C9AB24}">
+                <p16:designElem xmlns:p16="http://schemas.microsoft.com/office/powerpoint/2015/main" val="1"/>
+              </p:ext>
+            </p:extLst>
+          </p:nvPr>
+        </p:nvSpPr>
+        <p:spPr>
+          <a:xfrm>
+            <a:off x="0" y="0"/>
+            <a:ext cx="4959047" cy="6858000"/>
+          </a:xfrm>
+          <a:custGeom>
+            <a:avLst/>
+            <a:gdLst>
+              <a:gd name="connsiteX0" fmla="*/ 0 w 4959047"/>
+              <a:gd name="connsiteY0" fmla="*/ 0 h 6858000"/>
+              <a:gd name="connsiteX1" fmla="*/ 4110127 w 4959047"/>
+              <a:gd name="connsiteY1" fmla="*/ 0 h 6858000"/>
+              <a:gd name="connsiteX2" fmla="*/ 4179024 w 4959047"/>
+              <a:gd name="connsiteY2" fmla="*/ 123368 h 6858000"/>
+              <a:gd name="connsiteX3" fmla="*/ 4959047 w 4959047"/>
+              <a:gd name="connsiteY3" fmla="*/ 3429000 h 6858000"/>
+              <a:gd name="connsiteX4" fmla="*/ 4179024 w 4959047"/>
+              <a:gd name="connsiteY4" fmla="*/ 6734633 h 6858000"/>
+              <a:gd name="connsiteX5" fmla="*/ 4110127 w 4959047"/>
+              <a:gd name="connsiteY5" fmla="*/ 6858000 h 6858000"/>
+              <a:gd name="connsiteX6" fmla="*/ 0 w 4959047"/>
+              <a:gd name="connsiteY6" fmla="*/ 6858000 h 6858000"/>
+            </a:gdLst>
+            <a:ahLst/>
+            <a:cxnLst>
+              <a:cxn ang="0">
+                <a:pos x="connsiteX0" y="connsiteY0"/>
+              </a:cxn>
+              <a:cxn ang="0">
+                <a:pos x="connsiteX1" y="connsiteY1"/>
+              </a:cxn>
+              <a:cxn ang="0">
+                <a:pos x="connsiteX2" y="connsiteY2"/>
+              </a:cxn>
+              <a:cxn ang="0">
+                <a:pos x="connsiteX3" y="connsiteY3"/>
+              </a:cxn>
+              <a:cxn ang="0">
+                <a:pos x="connsiteX4" y="connsiteY4"/>
+              </a:cxn>
+              <a:cxn ang="0">
+                <a:pos x="connsiteX5" y="connsiteY5"/>
+              </a:cxn>
+              <a:cxn ang="0">
+                <a:pos x="connsiteX6" y="connsiteY6"/>
+              </a:cxn>
+            </a:cxnLst>
+            <a:rect l="l" t="t" r="r" b="b"/>
+            <a:pathLst>
+              <a:path w="4959047" h="6858000">
+                <a:moveTo>
+                  <a:pt x="0" y="0"/>
+                </a:moveTo>
+                <a:lnTo>
+                  <a:pt x="4110127" y="0"/>
+                </a:lnTo>
+                <a:lnTo>
+                  <a:pt x="4179024" y="123368"/>
+                </a:lnTo>
+                <a:cubicBezTo>
+                  <a:pt x="4668929" y="1045156"/>
+                  <a:pt x="4959047" y="2189404"/>
+                  <a:pt x="4959047" y="3429000"/>
+                </a:cubicBezTo>
+                <a:cubicBezTo>
+                  <a:pt x="4959047" y="4668597"/>
+                  <a:pt x="4668929" y="5812845"/>
+                  <a:pt x="4179024" y="6734633"/>
+                </a:cubicBezTo>
+                <a:lnTo>
+                  <a:pt x="4110127" y="6858000"/>
+                </a:lnTo>
+                <a:lnTo>
+                  <a:pt x="0" y="6858000"/>
+                </a:lnTo>
+                <a:close/>
+              </a:path>
+            </a:pathLst>
+          </a:custGeom>
+          <a:ln w="9525">
+            <a:solidFill>
+              <a:srgbClr val="E6E6E6"/>
+            </a:solidFill>
+          </a:ln>
+          <a:effectLst>
+            <a:outerShdw blurRad="76200" dist="38100" algn="l" rotWithShape="0">
+              <a:schemeClr val="bg1">
+                <a:lumMod val="85000"/>
+                <a:alpha val="50000"/>
+              </a:schemeClr>
+            </a:outerShdw>
+          </a:effectLst>
+        </p:spPr>
+        <p:style>
+          <a:lnRef idx="2">
+            <a:schemeClr val="accent1">
+              <a:shade val="50000"/>
+            </a:schemeClr>
+          </a:lnRef>
+          <a:fillRef idx="1">
+            <a:schemeClr val="accent1"/>
+          </a:fillRef>
+          <a:effectRef idx="0">
+            <a:schemeClr val="accent1"/>
+          </a:effectRef>
+          <a:fontRef idx="minor">
+            <a:schemeClr val="lt1"/>
+          </a:fontRef>
+        </p:style>
+        <p:txBody>
+          <a:bodyPr wrap="square" rtlCol="0" anchor="ctr">
+            <a:noAutofit/>
+          </a:bodyPr>
+          <a:lstStyle/>
+          <a:p>
+            <a:pPr marL="0" marR="0" lvl="0" indent="0" algn="ctr" defTabSz="914400" rtl="0" eaLnBrk="1" fontAlgn="auto" latinLnBrk="0" hangingPunct="1">
+              <a:lnSpc>
+                <a:spcPct val="100000"/>
+              </a:lnSpc>
+              <a:spcBef>
+                <a:spcPts val="0"/>
+              </a:spcBef>
+              <a:spcAft>
+                <a:spcPts val="0"/>
+              </a:spcAft>
+              <a:buClrTx/>
+              <a:buSzTx/>
+              <a:buFontTx/>
+              <a:buNone/>
+              <a:tabLst/>
+              <a:defRPr/>
+            </a:pPr>
+            <a:endParaRPr kumimoji="0" lang="en-US" sz="1800" b="0" i="0" u="none" strike="noStrike" kern="1200" cap="none" spc="0" normalizeH="0" baseline="0" noProof="0">
+              <a:ln>
+                <a:noFill/>
+              </a:ln>
+              <a:solidFill>
+                <a:prstClr val="white"/>
+              </a:solidFill>
+              <a:effectLst/>
+              <a:uLnTx/>
+              <a:uFillTx/>
+              <a:latin typeface="Calibri" panose="020F0502020204030204"/>
+              <a:ea typeface="+mn-ea"/>
+              <a:cs typeface="+mn-cs"/>
+            </a:endParaRPr>
+          </a:p>
+        </p:txBody>
+      </p:sp>
+      <p:sp useBgFill="1">
+        <p:nvSpPr>
+          <p:cNvPr id="14" name="Freeform: Shape 13">
+            <a:extLst>
+              <a:ext uri="{FF2B5EF4-FFF2-40B4-BE49-F238E27FC236}">
+                <a16:creationId xmlns:a16="http://schemas.microsoft.com/office/drawing/2014/main" id="{84D4DDB8-B68F-45B0-9F62-C4279996F672}"/>
+              </a:ext>
+              <a:ext uri="{C183D7F6-B498-43B3-948B-1728B52AA6E4}">
+                <adec:decorative xmlns:adec="http://schemas.microsoft.com/office/drawing/2017/decorative" val="1"/>
+              </a:ext>
+            </a:extLst>
+          </p:cNvPr>
+          <p:cNvSpPr>
+            <a:spLocks noGrp="1" noRot="1" noChangeAspect="1" noMove="1" noResize="1" noEditPoints="1" noAdjustHandles="1" noChangeArrowheads="1" noChangeShapeType="1" noTextEdit="1"/>
+          </p:cNvSpPr>
+          <p:nvPr>
+            <p:extLst>
+              <p:ext uri="{386F3935-93C4-4BCD-93E2-E3B085C9AB24}">
+                <p16:designElem xmlns:p16="http://schemas.microsoft.com/office/powerpoint/2015/main" val="1"/>
+              </p:ext>
+            </p:extLst>
+          </p:nvPr>
+        </p:nvSpPr>
+        <p:spPr>
+          <a:xfrm>
+            <a:off x="0" y="0"/>
+            <a:ext cx="4948887" cy="6858000"/>
+          </a:xfrm>
+          <a:custGeom>
+            <a:avLst/>
+            <a:gdLst>
+              <a:gd name="connsiteX0" fmla="*/ 0 w 4948887"/>
+              <a:gd name="connsiteY0" fmla="*/ 0 h 6858000"/>
+              <a:gd name="connsiteX1" fmla="*/ 4099967 w 4948887"/>
+              <a:gd name="connsiteY1" fmla="*/ 0 h 6858000"/>
+              <a:gd name="connsiteX2" fmla="*/ 4168864 w 4948887"/>
+              <a:gd name="connsiteY2" fmla="*/ 123368 h 6858000"/>
+              <a:gd name="connsiteX3" fmla="*/ 4948887 w 4948887"/>
+              <a:gd name="connsiteY3" fmla="*/ 3429000 h 6858000"/>
+              <a:gd name="connsiteX4" fmla="*/ 4168864 w 4948887"/>
+              <a:gd name="connsiteY4" fmla="*/ 6734633 h 6858000"/>
+              <a:gd name="connsiteX5" fmla="*/ 4099967 w 4948887"/>
+              <a:gd name="connsiteY5" fmla="*/ 6858000 h 6858000"/>
+              <a:gd name="connsiteX6" fmla="*/ 0 w 4948887"/>
+              <a:gd name="connsiteY6" fmla="*/ 6858000 h 6858000"/>
+            </a:gdLst>
+            <a:ahLst/>
+            <a:cxnLst>
+              <a:cxn ang="0">
+                <a:pos x="connsiteX0" y="connsiteY0"/>
+              </a:cxn>
+              <a:cxn ang="0">
+                <a:pos x="connsiteX1" y="connsiteY1"/>
+              </a:cxn>
+              <a:cxn ang="0">
+                <a:pos x="connsiteX2" y="connsiteY2"/>
+              </a:cxn>
+              <a:cxn ang="0">
+                <a:pos x="connsiteX3" y="connsiteY3"/>
+              </a:cxn>
+              <a:cxn ang="0">
+                <a:pos x="connsiteX4" y="connsiteY4"/>
+              </a:cxn>
+              <a:cxn ang="0">
+                <a:pos x="connsiteX5" y="connsiteY5"/>
+              </a:cxn>
+              <a:cxn ang="0">
+                <a:pos x="connsiteX6" y="connsiteY6"/>
+              </a:cxn>
+            </a:cxnLst>
+            <a:rect l="l" t="t" r="r" b="b"/>
+            <a:pathLst>
+              <a:path w="4948887" h="6858000">
+                <a:moveTo>
+                  <a:pt x="0" y="0"/>
+                </a:moveTo>
+                <a:lnTo>
+                  <a:pt x="4099967" y="0"/>
+                </a:lnTo>
+                <a:lnTo>
+                  <a:pt x="4168864" y="123368"/>
+                </a:lnTo>
+                <a:cubicBezTo>
+                  <a:pt x="4658769" y="1045156"/>
+                  <a:pt x="4948887" y="2189404"/>
+                  <a:pt x="4948887" y="3429000"/>
+                </a:cubicBezTo>
+                <a:cubicBezTo>
+                  <a:pt x="4948887" y="4668597"/>
+                  <a:pt x="4658769" y="5812845"/>
+                  <a:pt x="4168864" y="6734633"/>
+                </a:cubicBezTo>
+                <a:lnTo>
+                  <a:pt x="4099967" y="6858000"/>
+                </a:lnTo>
+                <a:lnTo>
+                  <a:pt x="0" y="6858000"/>
+                </a:lnTo>
+                <a:close/>
+              </a:path>
+            </a:pathLst>
+          </a:custGeom>
+          <a:ln w="9525">
+            <a:noFill/>
+          </a:ln>
+          <a:effectLst/>
+        </p:spPr>
+        <p:style>
+          <a:lnRef idx="2">
+            <a:schemeClr val="accent1">
+              <a:shade val="50000"/>
+            </a:schemeClr>
+          </a:lnRef>
+          <a:fillRef idx="1">
+            <a:schemeClr val="accent1"/>
+          </a:fillRef>
+          <a:effectRef idx="0">
+            <a:schemeClr val="accent1"/>
+          </a:effectRef>
+          <a:fontRef idx="minor">
+            <a:schemeClr val="lt1"/>
+          </a:fontRef>
+        </p:style>
+        <p:txBody>
+          <a:bodyPr wrap="square" rtlCol="0" anchor="ctr">
+            <a:noAutofit/>
+          </a:bodyPr>
+          <a:lstStyle/>
+          <a:p>
+            <a:pPr marL="0" marR="0" lvl="0" indent="0" algn="ctr" defTabSz="914400" rtl="0" eaLnBrk="1" fontAlgn="auto" latinLnBrk="0" hangingPunct="1">
+              <a:lnSpc>
+                <a:spcPct val="100000"/>
+              </a:lnSpc>
+              <a:spcBef>
+                <a:spcPts val="0"/>
+              </a:spcBef>
+              <a:spcAft>
+                <a:spcPts val="0"/>
+              </a:spcAft>
+              <a:buClrTx/>
+              <a:buSzTx/>
+              <a:buFontTx/>
+              <a:buNone/>
+              <a:tabLst/>
+              <a:defRPr/>
+            </a:pPr>
+            <a:endParaRPr kumimoji="0" lang="en-US" sz="1800" b="0" i="0" u="none" strike="noStrike" kern="1200" cap="none" spc="0" normalizeH="0" baseline="0" noProof="0">
+              <a:ln>
+                <a:noFill/>
+              </a:ln>
+              <a:solidFill>
+                <a:prstClr val="white"/>
+              </a:solidFill>
+              <a:effectLst/>
+              <a:uLnTx/>
+              <a:uFillTx/>
+              <a:latin typeface="Calibri" panose="020F0502020204030204"/>
+              <a:ea typeface="+mn-ea"/>
+              <a:cs typeface="+mn-cs"/>
+            </a:endParaRPr>
+          </a:p>
+        </p:txBody>
+      </p:sp>
+      <p:sp>
+        <p:nvSpPr>
+          <p:cNvPr id="2" name="Título 1">
+            <a:extLst>
+              <a:ext uri="{FF2B5EF4-FFF2-40B4-BE49-F238E27FC236}">
+                <a16:creationId xmlns:a16="http://schemas.microsoft.com/office/drawing/2014/main" id="{C2274554-D954-9972-BBA7-3BDCE7940B83}"/>
+              </a:ext>
+            </a:extLst>
+          </p:cNvPr>
+          <p:cNvSpPr>
+            <a:spLocks noGrp="1"/>
+          </p:cNvSpPr>
+          <p:nvPr>
+            <p:ph type="title"/>
+          </p:nvPr>
+        </p:nvSpPr>
+        <p:spPr>
+          <a:xfrm>
+            <a:off x="477981" y="1122363"/>
+            <a:ext cx="4023360" cy="3204134"/>
+          </a:xfrm>
+        </p:spPr>
+        <p:txBody>
+          <a:bodyPr vert="horz" lIns="91440" tIns="45720" rIns="91440" bIns="45720" rtlCol="0" anchor="b">
+            <a:normAutofit/>
+          </a:bodyPr>
+          <a:lstStyle/>
+          <a:p>
+            <a:r>
+              <a:rPr lang="en-US" sz="4800" kern="1200">
+                <a:solidFill>
+                  <a:schemeClr val="tx1"/>
+                </a:solidFill>
+                <a:latin typeface="+mj-lt"/>
+                <a:ea typeface="+mj-ea"/>
+                <a:cs typeface="+mj-cs"/>
+              </a:rPr>
+              <a:t>La ia  en el context flappy bird</a:t>
+            </a:r>
+          </a:p>
+        </p:txBody>
+      </p:sp>
+      <p:sp>
+        <p:nvSpPr>
+          <p:cNvPr id="16" name="Rectangle 15">
+            <a:extLst>
+              <a:ext uri="{FF2B5EF4-FFF2-40B4-BE49-F238E27FC236}">
+                <a16:creationId xmlns:a16="http://schemas.microsoft.com/office/drawing/2014/main" id="{AF2F604E-43BE-4DC3-B983-E071523364F8}"/>
+              </a:ext>
+              <a:ext uri="{C183D7F6-B498-43B3-948B-1728B52AA6E4}">
+                <adec:decorative xmlns:adec="http://schemas.microsoft.com/office/drawing/2017/decorative" val="1"/>
+              </a:ext>
+            </a:extLst>
+          </p:cNvPr>
+          <p:cNvSpPr>
+            <a:spLocks noGrp="1" noRot="1" noChangeAspect="1" noMove="1" noResize="1" noEditPoints="1" noAdjustHandles="1" noChangeArrowheads="1" noChangeShapeType="1" noTextEdit="1"/>
+          </p:cNvSpPr>
+          <p:nvPr>
+            <p:extLst>
+              <p:ext uri="{386F3935-93C4-4BCD-93E2-E3B085C9AB24}">
+                <p16:designElem xmlns:p16="http://schemas.microsoft.com/office/powerpoint/2015/main" val="1"/>
+              </p:ext>
+            </p:extLst>
+          </p:nvPr>
+        </p:nvSpPr>
+        <p:spPr>
+          <a:xfrm rot="5400000">
+            <a:off x="759921" y="346791"/>
+            <a:ext cx="146304" cy="704088"/>
+          </a:xfrm>
+          <a:prstGeom prst="rect">
+            <a:avLst/>
+          </a:prstGeom>
+          <a:solidFill>
+            <a:schemeClr val="accent2"/>
+          </a:solidFill>
+          <a:ln>
+            <a:noFill/>
+          </a:ln>
+        </p:spPr>
+        <p:style>
+          <a:lnRef idx="2">
+            <a:schemeClr val="accent1">
+              <a:shade val="50000"/>
+            </a:schemeClr>
+          </a:lnRef>
+          <a:fillRef idx="1">
+            <a:schemeClr val="accent1"/>
+          </a:fillRef>
+          <a:effectRef idx="0">
+            <a:schemeClr val="accent1"/>
+          </a:effectRef>
+          <a:fontRef idx="minor">
+            <a:schemeClr val="lt1"/>
+          </a:fontRef>
+        </p:style>
+        <p:txBody>
+          <a:bodyPr rtlCol="0" anchor="ctr"/>
+          <a:lstStyle/>
+          <a:p>
+            <a:pPr algn="ctr"/>
+            <a:endParaRPr lang="en-US">
+              <a:solidFill>
+                <a:prstClr val="white"/>
+              </a:solidFill>
+              <a:latin typeface="Calibri" panose="020F0502020204030204"/>
+            </a:endParaRPr>
+          </a:p>
+        </p:txBody>
+      </p:sp>
+      <p:sp>
+        <p:nvSpPr>
+          <p:cNvPr id="18" name="Rectangle 17">
+            <a:extLst>
+              <a:ext uri="{FF2B5EF4-FFF2-40B4-BE49-F238E27FC236}">
+                <a16:creationId xmlns:a16="http://schemas.microsoft.com/office/drawing/2014/main" id="{08C9B587-E65E-4B52-B37C-ABEBB6E87928}"/>
+              </a:ext>
+              <a:ext uri="{C183D7F6-B498-43B3-948B-1728B52AA6E4}">
+                <adec:decorative xmlns:adec="http://schemas.microsoft.com/office/drawing/2017/decorative" val="1"/>
+              </a:ext>
+            </a:extLst>
+          </p:cNvPr>
+          <p:cNvSpPr>
+            <a:spLocks noGrp="1" noRot="1" noChangeAspect="1" noMove="1" noResize="1" noEditPoints="1" noAdjustHandles="1" noChangeArrowheads="1" noChangeShapeType="1" noTextEdit="1"/>
+          </p:cNvSpPr>
+          <p:nvPr>
+            <p:extLst>
+              <p:ext uri="{386F3935-93C4-4BCD-93E2-E3B085C9AB24}">
+                <p16:designElem xmlns:p16="http://schemas.microsoft.com/office/powerpoint/2015/main" val="1"/>
+              </p:ext>
+            </p:extLst>
+          </p:nvPr>
+        </p:nvSpPr>
+        <p:spPr>
+          <a:xfrm>
+            <a:off x="481029" y="4546920"/>
+            <a:ext cx="4023360" cy="18288"/>
+          </a:xfrm>
+          <a:prstGeom prst="rect">
+            <a:avLst/>
+          </a:prstGeom>
+          <a:solidFill>
+            <a:srgbClr val="D5D5D5"/>
+          </a:solidFill>
+          <a:ln w="3175">
+            <a:noFill/>
+          </a:ln>
+          <a:effectLst/>
+        </p:spPr>
+        <p:style>
+          <a:lnRef idx="2">
+            <a:schemeClr val="accent1">
+              <a:shade val="50000"/>
+            </a:schemeClr>
+          </a:lnRef>
+          <a:fillRef idx="1">
+            <a:schemeClr val="accent1"/>
+          </a:fillRef>
+          <a:effectRef idx="0">
+            <a:schemeClr val="accent1"/>
+          </a:effectRef>
+          <a:fontRef idx="minor">
+            <a:schemeClr val="lt1"/>
+          </a:fontRef>
+        </p:style>
+        <p:txBody>
+          <a:bodyPr rtlCol="0" anchor="ctr"/>
+          <a:lstStyle/>
+          <a:p>
+            <a:pPr marL="0" marR="0" lvl="0" indent="0" algn="ctr" defTabSz="914400" rtl="0" eaLnBrk="1" fontAlgn="auto" latinLnBrk="0" hangingPunct="1">
+              <a:lnSpc>
+                <a:spcPct val="100000"/>
+              </a:lnSpc>
+              <a:spcBef>
+                <a:spcPts val="0"/>
+              </a:spcBef>
+              <a:spcAft>
+                <a:spcPts val="0"/>
+              </a:spcAft>
+              <a:buClrTx/>
+              <a:buSzTx/>
+              <a:buFontTx/>
+              <a:buNone/>
+              <a:tabLst/>
+              <a:defRPr/>
+            </a:pPr>
+            <a:endParaRPr kumimoji="0" lang="en-US" sz="1800" b="0" i="0" u="none" strike="noStrike" kern="1200" cap="none" spc="0" normalizeH="0" baseline="0" noProof="0">
+              <a:ln>
+                <a:noFill/>
+              </a:ln>
+              <a:solidFill>
+                <a:prstClr val="white"/>
+              </a:solidFill>
+              <a:effectLst/>
+              <a:uLnTx/>
+              <a:uFillTx/>
+              <a:latin typeface="Calibri" panose="020F0502020204030204"/>
+              <a:ea typeface="+mn-ea"/>
+              <a:cs typeface="+mn-cs"/>
+            </a:endParaRPr>
+          </a:p>
+        </p:txBody>
+      </p:sp>
+      <p:pic>
+        <p:nvPicPr>
+          <p:cNvPr id="5" name="Marcador de contenido 4">
+            <a:extLst>
+              <a:ext uri="{FF2B5EF4-FFF2-40B4-BE49-F238E27FC236}">
+                <a16:creationId xmlns:a16="http://schemas.microsoft.com/office/drawing/2014/main" id="{E0F2FD6A-C9CB-1561-8178-5C3445300BC7}"/>
+              </a:ext>
+            </a:extLst>
+          </p:cNvPr>
+          <p:cNvPicPr>
+            <a:picLocks noGrp="1" noChangeAspect="1"/>
+          </p:cNvPicPr>
+          <p:nvPr>
+            <p:ph idx="1"/>
+          </p:nvPr>
+        </p:nvPicPr>
+        <p:blipFill>
+          <a:blip r:embed="rId2"/>
+          <a:stretch>
+            <a:fillRect/>
+          </a:stretch>
+        </p:blipFill>
+        <p:spPr>
+          <a:xfrm>
+            <a:off x="6821337" y="625684"/>
+            <a:ext cx="3594874" cy="5455380"/>
+          </a:xfrm>
+          <a:prstGeom prst="rect">
+            <a:avLst/>
+          </a:prstGeom>
+        </p:spPr>
+      </p:pic>
+    </p:spTree>
+    <p:extLst>
+      <p:ext uri="{BB962C8B-B14F-4D97-AF65-F5344CB8AC3E}">
+        <p14:creationId xmlns:p14="http://schemas.microsoft.com/office/powerpoint/2010/main" val="2162679673"/>
+      </p:ext>
+    </p:extLst>
+  </p:cSld>
+  <p:clrMapOvr>
+    <a:masterClrMapping/>
+  </p:clrMapOvr>
+</p:sld>
+</file>
+
+<file path=ppt/slides/slide9.xml><?xml version="1.0" encoding="utf-8"?>
+<p:sld xmlns:a="http://schemas.openxmlformats.org/drawingml/2006/main" xmlns:r="http://schemas.openxmlformats.org/officeDocument/2006/relationships" xmlns:p="http://schemas.openxmlformats.org/presentationml/2006/main">
+  <p:cSld>
+    <p:spTree>
+      <p:nvGrpSpPr>
+        <p:cNvPr id="1" name=""/>
+        <p:cNvGrpSpPr/>
+        <p:nvPr/>
+      </p:nvGrpSpPr>
+      <p:grpSpPr>
+        <a:xfrm>
+          <a:off x="0" y="0"/>
+          <a:ext cx="0" cy="0"/>
+          <a:chOff x="0" y="0"/>
+          <a:chExt cx="0" cy="0"/>
+        </a:xfrm>
+      </p:grpSpPr>
+      <p:sp>
+        <p:nvSpPr>
+          <p:cNvPr id="2" name="Título 1">
+            <a:extLst>
+              <a:ext uri="{FF2B5EF4-FFF2-40B4-BE49-F238E27FC236}">
+                <a16:creationId xmlns:a16="http://schemas.microsoft.com/office/drawing/2014/main" id="{3E766ED8-9231-53E9-EC82-EF6C0AED25E7}"/>
+              </a:ext>
+            </a:extLst>
+          </p:cNvPr>
+          <p:cNvSpPr>
+            <a:spLocks noGrp="1"/>
+          </p:cNvSpPr>
+          <p:nvPr>
+            <p:ph type="title"/>
+          </p:nvPr>
+        </p:nvSpPr>
+        <p:spPr/>
+        <p:txBody>
+          <a:bodyPr/>
+          <a:lstStyle/>
+          <a:p>
+            <a:r>
+              <a:rPr lang="es-ES" dirty="0"/>
+              <a:t>*aplicación* *</a:t>
+            </a:r>
+            <a:r>
+              <a:rPr lang="es-ES" dirty="0" err="1"/>
+              <a:t>mostra</a:t>
+            </a:r>
+            <a:r>
+              <a:rPr lang="es-ES" dirty="0"/>
+              <a:t> del </a:t>
+            </a:r>
+            <a:r>
+              <a:rPr lang="es-ES" dirty="0" err="1"/>
+              <a:t>aprenentatge</a:t>
+            </a:r>
+            <a:r>
+              <a:rPr lang="es-ES" dirty="0"/>
+              <a:t>*</a:t>
+            </a:r>
+            <a:endParaRPr lang="ca-ES" dirty="0"/>
+          </a:p>
+        </p:txBody>
+      </p:sp>
+      <p:sp>
+        <p:nvSpPr>
+          <p:cNvPr id="3" name="Marcador de contenido 2">
+            <a:extLst>
+              <a:ext uri="{FF2B5EF4-FFF2-40B4-BE49-F238E27FC236}">
+                <a16:creationId xmlns:a16="http://schemas.microsoft.com/office/drawing/2014/main" id="{EB52110D-54A3-A5C3-537D-FDB85FAD916F}"/>
+              </a:ext>
+            </a:extLst>
+          </p:cNvPr>
+          <p:cNvSpPr>
+            <a:spLocks noGrp="1"/>
+          </p:cNvSpPr>
+          <p:nvPr>
+            <p:ph idx="1"/>
+          </p:nvPr>
+        </p:nvSpPr>
+        <p:spPr/>
+        <p:txBody>
+          <a:bodyPr/>
+          <a:lstStyle/>
+          <a:p>
+            <a:endParaRPr lang="ca-ES"/>
+          </a:p>
+        </p:txBody>
+      </p:sp>
+    </p:spTree>
+    <p:extLst>
+      <p:ext uri="{BB962C8B-B14F-4D97-AF65-F5344CB8AC3E}">
+        <p14:creationId xmlns:p14="http://schemas.microsoft.com/office/powerpoint/2010/main" val="3573035216"/>
       </p:ext>
     </p:extLst>
   </p:cSld>

--- a/TR_ESCRIT/SUPERANT-L'HUMÀ.pptx
+++ b/TR_ESCRIT/SUPERANT-L'HUMÀ.pptx
@@ -16,9 +16,8 @@
     <p:sldId id="266" r:id="rId10"/>
     <p:sldId id="267" r:id="rId11"/>
     <p:sldId id="268" r:id="rId12"/>
-    <p:sldId id="269" r:id="rId13"/>
-    <p:sldId id="270" r:id="rId14"/>
-    <p:sldId id="274" r:id="rId15"/>
+    <p:sldId id="270" r:id="rId13"/>
+    <p:sldId id="274" r:id="rId14"/>
   </p:sldIdLst>
   <p:sldSz cx="12192000" cy="6858000"/>
   <p:notesSz cx="6858000" cy="9144000"/>
@@ -133,7 +132,6 @@
             <p14:sldId id="266"/>
             <p14:sldId id="267"/>
             <p14:sldId id="268"/>
-            <p14:sldId id="269"/>
             <p14:sldId id="270"/>
             <p14:sldId id="274"/>
           </p14:sldIdLst>
@@ -3832,98 +3830,6 @@
           <p:cNvPr id="2" name="Título 1">
             <a:extLst>
               <a:ext uri="{FF2B5EF4-FFF2-40B4-BE49-F238E27FC236}">
-                <a16:creationId xmlns:a16="http://schemas.microsoft.com/office/drawing/2014/main" id="{EDE5FA47-F1F3-7142-07B0-ECC3ED577FF3}"/>
-              </a:ext>
-            </a:extLst>
-          </p:cNvPr>
-          <p:cNvSpPr>
-            <a:spLocks noGrp="1"/>
-          </p:cNvSpPr>
-          <p:nvPr>
-            <p:ph type="title"/>
-          </p:nvPr>
-        </p:nvSpPr>
-        <p:spPr/>
-        <p:txBody>
-          <a:bodyPr/>
-          <a:lstStyle/>
-          <a:p>
-            <a:r>
-              <a:rPr lang="es-ES" dirty="0" err="1"/>
-              <a:t>Resultats</a:t>
-            </a:r>
-            <a:r>
-              <a:rPr lang="es-ES" dirty="0"/>
-              <a:t> de les </a:t>
-            </a:r>
-            <a:r>
-              <a:rPr lang="es-ES" dirty="0" err="1"/>
-              <a:t>anàlisis</a:t>
-            </a:r>
-            <a:endParaRPr lang="ca-ES" dirty="0"/>
-          </a:p>
-        </p:txBody>
-      </p:sp>
-      <p:sp>
-        <p:nvSpPr>
-          <p:cNvPr id="3" name="Marcador de contenido 2">
-            <a:extLst>
-              <a:ext uri="{FF2B5EF4-FFF2-40B4-BE49-F238E27FC236}">
-                <a16:creationId xmlns:a16="http://schemas.microsoft.com/office/drawing/2014/main" id="{5F9B5958-C668-8534-C9A0-84FCB16C2C54}"/>
-              </a:ext>
-            </a:extLst>
-          </p:cNvPr>
-          <p:cNvSpPr>
-            <a:spLocks noGrp="1"/>
-          </p:cNvSpPr>
-          <p:nvPr>
-            <p:ph idx="1"/>
-          </p:nvPr>
-        </p:nvSpPr>
-        <p:spPr/>
-        <p:txBody>
-          <a:bodyPr/>
-          <a:lstStyle/>
-          <a:p>
-            <a:endParaRPr lang="ca-ES" dirty="0"/>
-          </a:p>
-        </p:txBody>
-      </p:sp>
-    </p:spTree>
-    <p:extLst>
-      <p:ext uri="{BB962C8B-B14F-4D97-AF65-F5344CB8AC3E}">
-        <p14:creationId xmlns:p14="http://schemas.microsoft.com/office/powerpoint/2010/main" val="3027515548"/>
-      </p:ext>
-    </p:extLst>
-  </p:cSld>
-  <p:clrMapOvr>
-    <a:masterClrMapping/>
-  </p:clrMapOvr>
-</p:sld>
-</file>
-
-<file path=ppt/slides/slide13.xml><?xml version="1.0" encoding="utf-8"?>
-<p:sld xmlns:a="http://schemas.openxmlformats.org/drawingml/2006/main" xmlns:r="http://schemas.openxmlformats.org/officeDocument/2006/relationships" xmlns:p="http://schemas.openxmlformats.org/presentationml/2006/main">
-  <p:cSld>
-    <p:spTree>
-      <p:nvGrpSpPr>
-        <p:cNvPr id="1" name=""/>
-        <p:cNvGrpSpPr/>
-        <p:nvPr/>
-      </p:nvGrpSpPr>
-      <p:grpSpPr>
-        <a:xfrm>
-          <a:off x="0" y="0"/>
-          <a:ext cx="0" cy="0"/>
-          <a:chOff x="0" y="0"/>
-          <a:chExt cx="0" cy="0"/>
-        </a:xfrm>
-      </p:grpSpPr>
-      <p:sp>
-        <p:nvSpPr>
-          <p:cNvPr id="2" name="Título 1">
-            <a:extLst>
-              <a:ext uri="{FF2B5EF4-FFF2-40B4-BE49-F238E27FC236}">
                 <a16:creationId xmlns:a16="http://schemas.microsoft.com/office/drawing/2014/main" id="{AB2424D1-90C5-41F5-3FB6-C8C3BB00D2DD}"/>
               </a:ext>
             </a:extLst>
@@ -4000,7 +3906,7 @@
 </p:sld>
 </file>
 
-<file path=ppt/slides/slide14.xml><?xml version="1.0" encoding="utf-8"?>
+<file path=ppt/slides/slide13.xml><?xml version="1.0" encoding="utf-8"?>
 <p:sld xmlns:a="http://schemas.openxmlformats.org/drawingml/2006/main" xmlns:r="http://schemas.openxmlformats.org/officeDocument/2006/relationships" xmlns:p="http://schemas.openxmlformats.org/presentationml/2006/main">
   <p:cSld>
     <p:spTree>
@@ -6171,7 +6077,14 @@
           <a:bodyPr/>
           <a:lstStyle/>
           <a:p>
-            <a:endParaRPr lang="ca-ES"/>
+            <a:pPr marL="0" indent="0">
+              <a:buNone/>
+            </a:pPr>
+            <a:r>
+              <a:rPr lang="es-ES" dirty="0"/>
+              <a:t>(video)</a:t>
+            </a:r>
+            <a:endParaRPr lang="ca-ES" dirty="0"/>
           </a:p>
         </p:txBody>
       </p:sp>

--- a/TR_ESCRIT/SUPERANT-L'HUMÀ.pptx
+++ b/TR_ESCRIT/SUPERANT-L'HUMÀ.pptx
@@ -294,7 +294,7 @@
           <a:p>
             <a:fld id="{CFE5A59B-3E7F-4501-ABB4-1BD13B0EA46E}" type="datetimeFigureOut">
               <a:rPr lang="ca-ES" smtClean="0"/>
-              <a:t>22/11/2024</a:t>
+              <a:t>6/12/2024</a:t>
             </a:fld>
             <a:endParaRPr lang="ca-ES"/>
           </a:p>
@@ -348,7 +348,7 @@
           <a:p>
             <a:fld id="{020300EA-AF99-4554-821E-47F5B7AF3922}" type="slidenum">
               <a:rPr lang="ca-ES" smtClean="0"/>
-              <a:t>‹Nº›</a:t>
+              <a:t>‹#›</a:t>
             </a:fld>
             <a:endParaRPr lang="ca-ES"/>
           </a:p>
@@ -494,7 +494,7 @@
           <a:p>
             <a:fld id="{CFE5A59B-3E7F-4501-ABB4-1BD13B0EA46E}" type="datetimeFigureOut">
               <a:rPr lang="ca-ES" smtClean="0"/>
-              <a:t>22/11/2024</a:t>
+              <a:t>6/12/2024</a:t>
             </a:fld>
             <a:endParaRPr lang="ca-ES"/>
           </a:p>
@@ -548,7 +548,7 @@
           <a:p>
             <a:fld id="{020300EA-AF99-4554-821E-47F5B7AF3922}" type="slidenum">
               <a:rPr lang="ca-ES" smtClean="0"/>
-              <a:t>‹Nº›</a:t>
+              <a:t>‹#›</a:t>
             </a:fld>
             <a:endParaRPr lang="ca-ES"/>
           </a:p>
@@ -704,7 +704,7 @@
           <a:p>
             <a:fld id="{CFE5A59B-3E7F-4501-ABB4-1BD13B0EA46E}" type="datetimeFigureOut">
               <a:rPr lang="ca-ES" smtClean="0"/>
-              <a:t>22/11/2024</a:t>
+              <a:t>6/12/2024</a:t>
             </a:fld>
             <a:endParaRPr lang="ca-ES"/>
           </a:p>
@@ -758,7 +758,7 @@
           <a:p>
             <a:fld id="{020300EA-AF99-4554-821E-47F5B7AF3922}" type="slidenum">
               <a:rPr lang="ca-ES" smtClean="0"/>
-              <a:t>‹Nº›</a:t>
+              <a:t>‹#›</a:t>
             </a:fld>
             <a:endParaRPr lang="ca-ES"/>
           </a:p>
@@ -904,7 +904,7 @@
           <a:p>
             <a:fld id="{CFE5A59B-3E7F-4501-ABB4-1BD13B0EA46E}" type="datetimeFigureOut">
               <a:rPr lang="ca-ES" smtClean="0"/>
-              <a:t>22/11/2024</a:t>
+              <a:t>6/12/2024</a:t>
             </a:fld>
             <a:endParaRPr lang="ca-ES"/>
           </a:p>
@@ -958,7 +958,7 @@
           <a:p>
             <a:fld id="{020300EA-AF99-4554-821E-47F5B7AF3922}" type="slidenum">
               <a:rPr lang="ca-ES" smtClean="0"/>
-              <a:t>‹Nº›</a:t>
+              <a:t>‹#›</a:t>
             </a:fld>
             <a:endParaRPr lang="ca-ES"/>
           </a:p>
@@ -1180,7 +1180,7 @@
           <a:p>
             <a:fld id="{CFE5A59B-3E7F-4501-ABB4-1BD13B0EA46E}" type="datetimeFigureOut">
               <a:rPr lang="ca-ES" smtClean="0"/>
-              <a:t>22/11/2024</a:t>
+              <a:t>6/12/2024</a:t>
             </a:fld>
             <a:endParaRPr lang="ca-ES"/>
           </a:p>
@@ -1234,7 +1234,7 @@
           <a:p>
             <a:fld id="{020300EA-AF99-4554-821E-47F5B7AF3922}" type="slidenum">
               <a:rPr lang="ca-ES" smtClean="0"/>
-              <a:t>‹Nº›</a:t>
+              <a:t>‹#›</a:t>
             </a:fld>
             <a:endParaRPr lang="ca-ES"/>
           </a:p>
@@ -1448,7 +1448,7 @@
           <a:p>
             <a:fld id="{CFE5A59B-3E7F-4501-ABB4-1BD13B0EA46E}" type="datetimeFigureOut">
               <a:rPr lang="ca-ES" smtClean="0"/>
-              <a:t>22/11/2024</a:t>
+              <a:t>6/12/2024</a:t>
             </a:fld>
             <a:endParaRPr lang="ca-ES"/>
           </a:p>
@@ -1502,7 +1502,7 @@
           <a:p>
             <a:fld id="{020300EA-AF99-4554-821E-47F5B7AF3922}" type="slidenum">
               <a:rPr lang="ca-ES" smtClean="0"/>
-              <a:t>‹Nº›</a:t>
+              <a:t>‹#›</a:t>
             </a:fld>
             <a:endParaRPr lang="ca-ES"/>
           </a:p>
@@ -1863,7 +1863,7 @@
           <a:p>
             <a:fld id="{CFE5A59B-3E7F-4501-ABB4-1BD13B0EA46E}" type="datetimeFigureOut">
               <a:rPr lang="ca-ES" smtClean="0"/>
-              <a:t>22/11/2024</a:t>
+              <a:t>6/12/2024</a:t>
             </a:fld>
             <a:endParaRPr lang="ca-ES"/>
           </a:p>
@@ -1917,7 +1917,7 @@
           <a:p>
             <a:fld id="{020300EA-AF99-4554-821E-47F5B7AF3922}" type="slidenum">
               <a:rPr lang="ca-ES" smtClean="0"/>
-              <a:t>‹Nº›</a:t>
+              <a:t>‹#›</a:t>
             </a:fld>
             <a:endParaRPr lang="ca-ES"/>
           </a:p>
@@ -2005,7 +2005,7 @@
           <a:p>
             <a:fld id="{CFE5A59B-3E7F-4501-ABB4-1BD13B0EA46E}" type="datetimeFigureOut">
               <a:rPr lang="ca-ES" smtClean="0"/>
-              <a:t>22/11/2024</a:t>
+              <a:t>6/12/2024</a:t>
             </a:fld>
             <a:endParaRPr lang="ca-ES"/>
           </a:p>
@@ -2059,7 +2059,7 @@
           <a:p>
             <a:fld id="{020300EA-AF99-4554-821E-47F5B7AF3922}" type="slidenum">
               <a:rPr lang="ca-ES" smtClean="0"/>
-              <a:t>‹Nº›</a:t>
+              <a:t>‹#›</a:t>
             </a:fld>
             <a:endParaRPr lang="ca-ES"/>
           </a:p>
@@ -2118,7 +2118,7 @@
           <a:p>
             <a:fld id="{CFE5A59B-3E7F-4501-ABB4-1BD13B0EA46E}" type="datetimeFigureOut">
               <a:rPr lang="ca-ES" smtClean="0"/>
-              <a:t>22/11/2024</a:t>
+              <a:t>6/12/2024</a:t>
             </a:fld>
             <a:endParaRPr lang="ca-ES"/>
           </a:p>
@@ -2172,7 +2172,7 @@
           <a:p>
             <a:fld id="{020300EA-AF99-4554-821E-47F5B7AF3922}" type="slidenum">
               <a:rPr lang="ca-ES" smtClean="0"/>
-              <a:t>‹Nº›</a:t>
+              <a:t>‹#›</a:t>
             </a:fld>
             <a:endParaRPr lang="ca-ES"/>
           </a:p>
@@ -2431,7 +2431,7 @@
           <a:p>
             <a:fld id="{CFE5A59B-3E7F-4501-ABB4-1BD13B0EA46E}" type="datetimeFigureOut">
               <a:rPr lang="ca-ES" smtClean="0"/>
-              <a:t>22/11/2024</a:t>
+              <a:t>6/12/2024</a:t>
             </a:fld>
             <a:endParaRPr lang="ca-ES"/>
           </a:p>
@@ -2485,7 +2485,7 @@
           <a:p>
             <a:fld id="{020300EA-AF99-4554-821E-47F5B7AF3922}" type="slidenum">
               <a:rPr lang="ca-ES" smtClean="0"/>
-              <a:t>‹Nº›</a:t>
+              <a:t>‹#›</a:t>
             </a:fld>
             <a:endParaRPr lang="ca-ES"/>
           </a:p>
@@ -2720,7 +2720,7 @@
           <a:p>
             <a:fld id="{CFE5A59B-3E7F-4501-ABB4-1BD13B0EA46E}" type="datetimeFigureOut">
               <a:rPr lang="ca-ES" smtClean="0"/>
-              <a:t>22/11/2024</a:t>
+              <a:t>6/12/2024</a:t>
             </a:fld>
             <a:endParaRPr lang="ca-ES"/>
           </a:p>
@@ -2774,7 +2774,7 @@
           <a:p>
             <a:fld id="{020300EA-AF99-4554-821E-47F5B7AF3922}" type="slidenum">
               <a:rPr lang="ca-ES" smtClean="0"/>
-              <a:t>‹Nº›</a:t>
+              <a:t>‹#›</a:t>
             </a:fld>
             <a:endParaRPr lang="ca-ES"/>
           </a:p>
@@ -2963,7 +2963,7 @@
           <a:p>
             <a:fld id="{CFE5A59B-3E7F-4501-ABB4-1BD13B0EA46E}" type="datetimeFigureOut">
               <a:rPr lang="ca-ES" smtClean="0"/>
-              <a:t>22/11/2024</a:t>
+              <a:t>6/12/2024</a:t>
             </a:fld>
             <a:endParaRPr lang="ca-ES"/>
           </a:p>
@@ -3053,7 +3053,7 @@
           <a:p>
             <a:fld id="{020300EA-AF99-4554-821E-47F5B7AF3922}" type="slidenum">
               <a:rPr lang="ca-ES" smtClean="0"/>
-              <a:t>‹Nº›</a:t>
+              <a:t>‹#›</a:t>
             </a:fld>
             <a:endParaRPr lang="ca-ES"/>
           </a:p>
@@ -3956,6 +3956,10 @@
               <a:rPr lang="es-ES" dirty="0" err="1"/>
               <a:t>l’anàlisi</a:t>
             </a:r>
+            <a:r>
+              <a:rPr lang="es-ES" dirty="0"/>
+              <a:t> (Teo)</a:t>
+            </a:r>
             <a:endParaRPr lang="ca-ES" dirty="0"/>
           </a:p>
         </p:txBody>
@@ -4040,6 +4044,10 @@
               <a:rPr lang="es-ES" dirty="0" err="1"/>
               <a:t>Introducció</a:t>
             </a:r>
+            <a:r>
+              <a:rPr lang="es-ES" dirty="0"/>
+              <a:t> (Teo)</a:t>
+            </a:r>
             <a:endParaRPr lang="ca-ES" dirty="0"/>
           </a:p>
         </p:txBody>
@@ -4058,7 +4066,7 @@
         </p:nvSpPr>
         <p:spPr>
           <a:xfrm>
-            <a:off x="3048000" y="1863350"/>
+            <a:off x="3048000" y="1859339"/>
             <a:ext cx="6096000" cy="3139321"/>
           </a:xfrm>
           <a:prstGeom prst="rect">
@@ -6050,7 +6058,7 @@
             </a:r>
             <a:r>
               <a:rPr lang="es-ES" dirty="0"/>
-              <a:t>*</a:t>
+              <a:t>*(Marc)</a:t>
             </a:r>
             <a:endParaRPr lang="ca-ES" dirty="0"/>
           </a:p>
